--- a/poster/情報の流れ.pptx
+++ b/poster/情報の流れ.pptx
@@ -244,7 +244,7 @@
           <a:p>
             <a:fld id="{A6F3A9AD-CBFC-43E8-8EE8-0FB52CCD4757}" type="datetimeFigureOut">
               <a:rPr kumimoji="1" lang="ja-JP" altLang="en-US" smtClean="0"/>
-              <a:t>2019/1/22</a:t>
+              <a:t>2019/1/24</a:t>
             </a:fld>
             <a:endParaRPr kumimoji="1" lang="ja-JP" altLang="en-US"/>
           </a:p>
@@ -446,7 +446,7 @@
           <a:p>
             <a:fld id="{A6F3A9AD-CBFC-43E8-8EE8-0FB52CCD4757}" type="datetimeFigureOut">
               <a:rPr kumimoji="1" lang="ja-JP" altLang="en-US" smtClean="0"/>
-              <a:t>2019/1/22</a:t>
+              <a:t>2019/1/24</a:t>
             </a:fld>
             <a:endParaRPr kumimoji="1" lang="ja-JP" altLang="en-US"/>
           </a:p>
@@ -658,7 +658,7 @@
           <a:p>
             <a:fld id="{A6F3A9AD-CBFC-43E8-8EE8-0FB52CCD4757}" type="datetimeFigureOut">
               <a:rPr kumimoji="1" lang="ja-JP" altLang="en-US" smtClean="0"/>
-              <a:t>2019/1/22</a:t>
+              <a:t>2019/1/24</a:t>
             </a:fld>
             <a:endParaRPr kumimoji="1" lang="ja-JP" altLang="en-US"/>
           </a:p>
@@ -860,7 +860,7 @@
           <a:p>
             <a:fld id="{A6F3A9AD-CBFC-43E8-8EE8-0FB52CCD4757}" type="datetimeFigureOut">
               <a:rPr kumimoji="1" lang="ja-JP" altLang="en-US" smtClean="0"/>
-              <a:t>2019/1/22</a:t>
+              <a:t>2019/1/24</a:t>
             </a:fld>
             <a:endParaRPr kumimoji="1" lang="ja-JP" altLang="en-US"/>
           </a:p>
@@ -1104,7 +1104,7 @@
           <a:p>
             <a:fld id="{A6F3A9AD-CBFC-43E8-8EE8-0FB52CCD4757}" type="datetimeFigureOut">
               <a:rPr kumimoji="1" lang="ja-JP" altLang="en-US" smtClean="0"/>
-              <a:t>2019/1/22</a:t>
+              <a:t>2019/1/24</a:t>
             </a:fld>
             <a:endParaRPr kumimoji="1" lang="ja-JP" altLang="en-US"/>
           </a:p>
@@ -1400,7 +1400,7 @@
           <a:p>
             <a:fld id="{A6F3A9AD-CBFC-43E8-8EE8-0FB52CCD4757}" type="datetimeFigureOut">
               <a:rPr kumimoji="1" lang="ja-JP" altLang="en-US" smtClean="0"/>
-              <a:t>2019/1/22</a:t>
+              <a:t>2019/1/24</a:t>
             </a:fld>
             <a:endParaRPr kumimoji="1" lang="ja-JP" altLang="en-US"/>
           </a:p>
@@ -1831,7 +1831,7 @@
           <a:p>
             <a:fld id="{A6F3A9AD-CBFC-43E8-8EE8-0FB52CCD4757}" type="datetimeFigureOut">
               <a:rPr kumimoji="1" lang="ja-JP" altLang="en-US" smtClean="0"/>
-              <a:t>2019/1/22</a:t>
+              <a:t>2019/1/24</a:t>
             </a:fld>
             <a:endParaRPr kumimoji="1" lang="ja-JP" altLang="en-US"/>
           </a:p>
@@ -1949,7 +1949,7 @@
           <a:p>
             <a:fld id="{A6F3A9AD-CBFC-43E8-8EE8-0FB52CCD4757}" type="datetimeFigureOut">
               <a:rPr kumimoji="1" lang="ja-JP" altLang="en-US" smtClean="0"/>
-              <a:t>2019/1/22</a:t>
+              <a:t>2019/1/24</a:t>
             </a:fld>
             <a:endParaRPr kumimoji="1" lang="ja-JP" altLang="en-US"/>
           </a:p>
@@ -2044,7 +2044,7 @@
           <a:p>
             <a:fld id="{A6F3A9AD-CBFC-43E8-8EE8-0FB52CCD4757}" type="datetimeFigureOut">
               <a:rPr kumimoji="1" lang="ja-JP" altLang="en-US" smtClean="0"/>
-              <a:t>2019/1/22</a:t>
+              <a:t>2019/1/24</a:t>
             </a:fld>
             <a:endParaRPr kumimoji="1" lang="ja-JP" altLang="en-US"/>
           </a:p>
@@ -2353,7 +2353,7 @@
           <a:p>
             <a:fld id="{A6F3A9AD-CBFC-43E8-8EE8-0FB52CCD4757}" type="datetimeFigureOut">
               <a:rPr kumimoji="1" lang="ja-JP" altLang="en-US" smtClean="0"/>
-              <a:t>2019/1/22</a:t>
+              <a:t>2019/1/24</a:t>
             </a:fld>
             <a:endParaRPr kumimoji="1" lang="ja-JP" altLang="en-US"/>
           </a:p>
@@ -2610,7 +2610,7 @@
           <a:p>
             <a:fld id="{A6F3A9AD-CBFC-43E8-8EE8-0FB52CCD4757}" type="datetimeFigureOut">
               <a:rPr kumimoji="1" lang="ja-JP" altLang="en-US" smtClean="0"/>
-              <a:t>2019/1/22</a:t>
+              <a:t>2019/1/24</a:t>
             </a:fld>
             <a:endParaRPr kumimoji="1" lang="ja-JP" altLang="en-US"/>
           </a:p>
@@ -2855,7 +2855,7 @@
           <a:p>
             <a:fld id="{A6F3A9AD-CBFC-43E8-8EE8-0FB52CCD4757}" type="datetimeFigureOut">
               <a:rPr kumimoji="1" lang="ja-JP" altLang="en-US" smtClean="0"/>
-              <a:t>2019/1/22</a:t>
+              <a:t>2019/1/24</a:t>
             </a:fld>
             <a:endParaRPr kumimoji="1" lang="ja-JP" altLang="en-US"/>
           </a:p>
@@ -3262,10 +3262,10 @@
       </p:grpSpPr>
       <p:grpSp>
         <p:nvGrpSpPr>
-          <p:cNvPr id="10" name="グループ化 9">
+          <p:cNvPr id="23" name="グループ化 22">
             <a:extLst>
               <a:ext uri="{FF2B5EF4-FFF2-40B4-BE49-F238E27FC236}">
-                <a16:creationId xmlns:a16="http://schemas.microsoft.com/office/drawing/2014/main" id="{66E8B61E-5ED7-427E-B5C5-D0E09349BCEC}"/>
+                <a16:creationId xmlns:a16="http://schemas.microsoft.com/office/drawing/2014/main" id="{1E037B89-A464-47B0-914C-1931E06035A0}"/>
               </a:ext>
             </a:extLst>
           </p:cNvPr>
@@ -3274,12 +3274,48 @@
         </p:nvGrpSpPr>
         <p:grpSpPr>
           <a:xfrm>
-            <a:off x="607584" y="1122396"/>
-            <a:ext cx="8463291" cy="10374925"/>
-            <a:chOff x="-18193" y="1118670"/>
-            <a:chExt cx="10746679" cy="13174071"/>
+            <a:off x="1991936" y="1122396"/>
+            <a:ext cx="7308232" cy="9438270"/>
+            <a:chOff x="1991936" y="1122396"/>
+            <a:chExt cx="7308232" cy="9438270"/>
           </a:xfrm>
         </p:grpSpPr>
+        <p:pic>
+          <p:nvPicPr>
+            <p:cNvPr id="21" name="図 20">
+              <a:extLst>
+                <a:ext uri="{FF2B5EF4-FFF2-40B4-BE49-F238E27FC236}">
+                  <a16:creationId xmlns:a16="http://schemas.microsoft.com/office/drawing/2014/main" id="{F712AF39-F67A-4CEB-840D-8962B2A4F4AA}"/>
+                </a:ext>
+              </a:extLst>
+            </p:cNvPr>
+            <p:cNvPicPr>
+              <a:picLocks noChangeAspect="1"/>
+            </p:cNvPicPr>
+            <p:nvPr/>
+          </p:nvPicPr>
+          <p:blipFill>
+            <a:blip r:embed="rId2">
+              <a:extLst>
+                <a:ext uri="{28A0092B-C50C-407E-A947-70E740481C1C}">
+                  <a14:useLocalDpi xmlns:a14="http://schemas.microsoft.com/office/drawing/2010/main" val="0"/>
+                </a:ext>
+              </a:extLst>
+            </a:blip>
+            <a:stretch>
+              <a:fillRect/>
+            </a:stretch>
+          </p:blipFill>
+          <p:spPr>
+            <a:xfrm>
+              <a:off x="5517301" y="9305547"/>
+              <a:ext cx="3451241" cy="949114"/>
+            </a:xfrm>
+            <a:prstGeom prst="rect">
+              <a:avLst/>
+            </a:prstGeom>
+          </p:spPr>
+        </p:pic>
         <p:pic>
           <p:nvPicPr>
             <p:cNvPr id="1034" name="Picture 10" descr="ãã¹ãããç´ æãã¤ã©ã¹ããã®ç»åæ¤ç´¢çµæ">
@@ -3295,7 +3331,7 @@
             <p:nvPr/>
           </p:nvPicPr>
           <p:blipFill>
-            <a:blip r:embed="rId2">
+            <a:blip r:embed="rId3">
               <a:extLst>
                 <a:ext uri="{28A0092B-C50C-407E-A947-70E740481C1C}">
                   <a14:useLocalDpi xmlns:a14="http://schemas.microsoft.com/office/drawing/2010/main" val="0"/>
@@ -3309,8 +3345,8 @@
           </p:blipFill>
           <p:spPr bwMode="auto">
             <a:xfrm>
-              <a:off x="2136874" y="9996004"/>
-              <a:ext cx="3181147" cy="2385861"/>
+              <a:off x="1991936" y="8113528"/>
+              <a:ext cx="2505237" cy="1878928"/>
             </a:xfrm>
             <a:prstGeom prst="rect">
               <a:avLst/>
@@ -3342,7 +3378,7 @@
             <p:nvPr/>
           </p:nvPicPr>
           <p:blipFill>
-            <a:blip r:embed="rId3">
+            <a:blip r:embed="rId4">
               <a:extLst>
                 <a:ext uri="{28A0092B-C50C-407E-A947-70E740481C1C}">
                   <a14:useLocalDpi xmlns:a14="http://schemas.microsoft.com/office/drawing/2010/main" val="0"/>
@@ -3356,8 +3392,8 @@
           </p:blipFill>
           <p:spPr bwMode="auto">
             <a:xfrm>
-              <a:off x="2362766" y="1118670"/>
-              <a:ext cx="2679724" cy="2679725"/>
+              <a:off x="2169832" y="1122396"/>
+              <a:ext cx="2110353" cy="2110353"/>
             </a:xfrm>
             <a:prstGeom prst="rect">
               <a:avLst/>
@@ -3388,8 +3424,8 @@
           </p:nvSpPr>
           <p:spPr>
             <a:xfrm rot="16200000" flipV="1">
-              <a:off x="3457357" y="4823097"/>
-              <a:ext cx="1077860" cy="587317"/>
+              <a:off x="3031851" y="4039729"/>
+              <a:ext cx="848843" cy="462528"/>
             </a:xfrm>
             <a:prstGeom prst="rightArrow">
               <a:avLst/>
@@ -3442,8 +3478,8 @@
           </p:nvSpPr>
           <p:spPr>
             <a:xfrm rot="5400000">
-              <a:off x="2807774" y="4854601"/>
-              <a:ext cx="1077861" cy="587319"/>
+              <a:off x="2520288" y="4064539"/>
+              <a:ext cx="848844" cy="462529"/>
             </a:xfrm>
             <a:prstGeom prst="rightArrow">
               <a:avLst/>
@@ -3496,8 +3532,8 @@
           </p:nvSpPr>
           <p:spPr>
             <a:xfrm>
-              <a:off x="2362769" y="12493299"/>
-              <a:ext cx="2786743" cy="610079"/>
+              <a:off x="2169834" y="10080213"/>
+              <a:ext cx="2194634" cy="480453"/>
             </a:xfrm>
             <a:prstGeom prst="rect">
               <a:avLst/>
@@ -3532,8 +3568,8 @@
           </p:nvSpPr>
           <p:spPr>
             <a:xfrm>
-              <a:off x="2246991" y="8142500"/>
-              <a:ext cx="2786743" cy="610079"/>
+              <a:off x="2078656" y="6653845"/>
+              <a:ext cx="2194634" cy="480453"/>
             </a:xfrm>
             <a:prstGeom prst="rect">
               <a:avLst/>
@@ -3568,8 +3604,8 @@
           </p:nvSpPr>
           <p:spPr>
             <a:xfrm>
-              <a:off x="2321377" y="3933999"/>
-              <a:ext cx="2786743" cy="610079"/>
+              <a:off x="2137237" y="3339541"/>
+              <a:ext cx="2194634" cy="480453"/>
             </a:xfrm>
             <a:prstGeom prst="rect">
               <a:avLst/>
@@ -3585,322 +3621,7 @@
               <a:pPr algn="ctr"/>
               <a:r>
                 <a:rPr lang="ja-JP" altLang="en-US" sz="2522" b="1" dirty="0"/>
-                <a:t>利用者の端末</a:t>
-              </a:r>
-            </a:p>
-          </p:txBody>
-        </p:sp>
-        <p:sp>
-          <p:nvSpPr>
-            <p:cNvPr id="9" name="テキスト ボックス 8">
-              <a:extLst>
-                <a:ext uri="{FF2B5EF4-FFF2-40B4-BE49-F238E27FC236}">
-                  <a16:creationId xmlns:a16="http://schemas.microsoft.com/office/drawing/2014/main" id="{EFB51EC2-689B-4454-B7B9-0BF4BC87127A}"/>
-                </a:ext>
-              </a:extLst>
-            </p:cNvPr>
-            <p:cNvSpPr txBox="1"/>
-            <p:nvPr/>
-          </p:nvSpPr>
-          <p:spPr>
-            <a:xfrm>
-              <a:off x="5686814" y="10303572"/>
-              <a:ext cx="3593928" cy="1102911"/>
-            </a:xfrm>
-            <a:prstGeom prst="rect">
-              <a:avLst/>
-            </a:prstGeom>
-            <a:noFill/>
-            <a:ln>
-              <a:solidFill>
-                <a:schemeClr val="tx1"/>
-              </a:solidFill>
-            </a:ln>
-          </p:spPr>
-          <p:txBody>
-            <a:bodyPr wrap="square" rtlCol="0">
-              <a:spAutoFit/>
-            </a:bodyPr>
-            <a:lstStyle/>
-            <a:p>
-              <a:pPr algn="ctr"/>
-              <a:r>
-                <a:rPr lang="ja-JP" altLang="en-US" sz="2522" dirty="0"/>
-                <a:t>取得したい情報の応答</a:t>
-              </a:r>
-            </a:p>
-          </p:txBody>
-        </p:sp>
-        <p:sp>
-          <p:nvSpPr>
-            <p:cNvPr id="18" name="テキスト ボックス 17">
-              <a:extLst>
-                <a:ext uri="{FF2B5EF4-FFF2-40B4-BE49-F238E27FC236}">
-                  <a16:creationId xmlns:a16="http://schemas.microsoft.com/office/drawing/2014/main" id="{987D6881-0EC7-4F49-ABF3-2CFF63516D6A}"/>
-                </a:ext>
-              </a:extLst>
-            </p:cNvPr>
-            <p:cNvSpPr txBox="1"/>
-            <p:nvPr/>
-          </p:nvSpPr>
-          <p:spPr>
-            <a:xfrm>
-              <a:off x="169836" y="4591373"/>
-              <a:ext cx="2527030" cy="1102911"/>
-            </a:xfrm>
-            <a:prstGeom prst="rect">
-              <a:avLst/>
-            </a:prstGeom>
-            <a:noFill/>
-            <a:ln>
-              <a:solidFill>
-                <a:schemeClr val="tx1"/>
-              </a:solidFill>
-            </a:ln>
-          </p:spPr>
-          <p:txBody>
-            <a:bodyPr wrap="square" rtlCol="0">
-              <a:spAutoFit/>
-            </a:bodyPr>
-            <a:lstStyle/>
-            <a:p>
-              <a:pPr algn="ctr"/>
-              <a:r>
-                <a:rPr lang="ja-JP" altLang="en-US" sz="2522" dirty="0"/>
-                <a:t>取得したい情報を要求</a:t>
-              </a:r>
-            </a:p>
-          </p:txBody>
-        </p:sp>
-        <p:sp>
-          <p:nvSpPr>
-            <p:cNvPr id="19" name="テキスト ボックス 18">
-              <a:extLst>
-                <a:ext uri="{FF2B5EF4-FFF2-40B4-BE49-F238E27FC236}">
-                  <a16:creationId xmlns:a16="http://schemas.microsoft.com/office/drawing/2014/main" id="{9B2A0C19-0107-489B-B4AA-AE8F8D00CB7A}"/>
-                </a:ext>
-              </a:extLst>
-            </p:cNvPr>
-            <p:cNvSpPr txBox="1"/>
-            <p:nvPr/>
-          </p:nvSpPr>
-          <p:spPr>
-            <a:xfrm>
-              <a:off x="4352210" y="9079179"/>
-              <a:ext cx="3593930" cy="610079"/>
-            </a:xfrm>
-            <a:prstGeom prst="rect">
-              <a:avLst/>
-            </a:prstGeom>
-            <a:noFill/>
-            <a:ln>
-              <a:solidFill>
-                <a:schemeClr val="tx1"/>
-              </a:solidFill>
-            </a:ln>
-          </p:spPr>
-          <p:txBody>
-            <a:bodyPr wrap="square" rtlCol="0">
-              <a:spAutoFit/>
-            </a:bodyPr>
-            <a:lstStyle/>
-            <a:p>
-              <a:pPr algn="ctr"/>
-              <a:r>
-                <a:rPr lang="ja-JP" altLang="en-US" sz="2522" dirty="0"/>
-                <a:t>配達完了を送信</a:t>
-              </a:r>
-            </a:p>
-          </p:txBody>
-        </p:sp>
-        <p:sp>
-          <p:nvSpPr>
-            <p:cNvPr id="20" name="テキスト ボックス 19">
-              <a:extLst>
-                <a:ext uri="{FF2B5EF4-FFF2-40B4-BE49-F238E27FC236}">
-                  <a16:creationId xmlns:a16="http://schemas.microsoft.com/office/drawing/2014/main" id="{70894416-DD25-4E19-B334-E165BF7EE8DC}"/>
-                </a:ext>
-              </a:extLst>
-            </p:cNvPr>
-            <p:cNvSpPr txBox="1"/>
-            <p:nvPr/>
-          </p:nvSpPr>
-          <p:spPr>
-            <a:xfrm>
-              <a:off x="-18193" y="8785802"/>
-              <a:ext cx="2863761" cy="1102911"/>
-            </a:xfrm>
-            <a:prstGeom prst="rect">
-              <a:avLst/>
-            </a:prstGeom>
-            <a:noFill/>
-            <a:ln>
-              <a:solidFill>
-                <a:schemeClr val="tx1"/>
-              </a:solidFill>
-            </a:ln>
-          </p:spPr>
-          <p:txBody>
-            <a:bodyPr wrap="square" rtlCol="0">
-              <a:spAutoFit/>
-            </a:bodyPr>
-            <a:lstStyle/>
-            <a:p>
-              <a:pPr algn="ctr"/>
-              <a:r>
-                <a:rPr lang="ja-JP" altLang="en-US" sz="2522" dirty="0"/>
-                <a:t>利用者の選択結果を送信</a:t>
-              </a:r>
-            </a:p>
-          </p:txBody>
-        </p:sp>
-        <p:sp>
-          <p:nvSpPr>
-            <p:cNvPr id="14" name="テキスト ボックス 13">
-              <a:extLst>
-                <a:ext uri="{FF2B5EF4-FFF2-40B4-BE49-F238E27FC236}">
-                  <a16:creationId xmlns:a16="http://schemas.microsoft.com/office/drawing/2014/main" id="{4444675F-6382-4F5E-B6F1-0935690B3C94}"/>
-                </a:ext>
-              </a:extLst>
-            </p:cNvPr>
-            <p:cNvSpPr txBox="1"/>
-            <p:nvPr/>
-          </p:nvSpPr>
-          <p:spPr>
-            <a:xfrm>
-              <a:off x="6786047" y="11826177"/>
-              <a:ext cx="3848664" cy="1102911"/>
-            </a:xfrm>
-            <a:prstGeom prst="rect">
-              <a:avLst/>
-            </a:prstGeom>
-          </p:spPr>
-          <p:style>
-            <a:lnRef idx="2">
-              <a:schemeClr val="accent2"/>
-            </a:lnRef>
-            <a:fillRef idx="1">
-              <a:schemeClr val="lt1"/>
-            </a:fillRef>
-            <a:effectRef idx="0">
-              <a:schemeClr val="accent2"/>
-            </a:effectRef>
-            <a:fontRef idx="minor">
-              <a:schemeClr val="dk1"/>
-            </a:fontRef>
-          </p:style>
-          <p:txBody>
-            <a:bodyPr wrap="square" rtlCol="0">
-              <a:spAutoFit/>
-            </a:bodyPr>
-            <a:lstStyle/>
-            <a:p>
-              <a:pPr algn="ctr"/>
-              <a:r>
-                <a:rPr lang="ja-JP" altLang="en-US" sz="2522" b="1" dirty="0"/>
-                <a:t>外部</a:t>
-              </a:r>
-              <a:r>
-                <a:rPr lang="en-US" altLang="ja-JP" sz="2522" b="1" dirty="0"/>
-                <a:t>API</a:t>
-              </a:r>
-            </a:p>
-            <a:p>
-              <a:pPr algn="ctr"/>
-              <a:r>
-                <a:rPr lang="en-US" altLang="ja-JP" sz="2522" b="1" dirty="0"/>
-                <a:t>(Google Maps API</a:t>
-              </a:r>
-              <a:r>
-                <a:rPr lang="ja-JP" altLang="en-US" sz="2522" b="1" dirty="0"/>
-                <a:t>等</a:t>
-              </a:r>
-              <a:r>
-                <a:rPr lang="en-US" altLang="ja-JP" sz="2522" b="1" dirty="0"/>
-                <a:t>)</a:t>
-              </a:r>
-              <a:endParaRPr lang="ja-JP" altLang="en-US" sz="2522" b="1" dirty="0"/>
-            </a:p>
-          </p:txBody>
-        </p:sp>
-        <p:sp>
-          <p:nvSpPr>
-            <p:cNvPr id="25" name="テキスト ボックス 24">
-              <a:extLst>
-                <a:ext uri="{FF2B5EF4-FFF2-40B4-BE49-F238E27FC236}">
-                  <a16:creationId xmlns:a16="http://schemas.microsoft.com/office/drawing/2014/main" id="{36040C76-447D-44A3-98DE-2A83899BAA78}"/>
-                </a:ext>
-              </a:extLst>
-            </p:cNvPr>
-            <p:cNvSpPr txBox="1"/>
-            <p:nvPr/>
-          </p:nvSpPr>
-          <p:spPr>
-            <a:xfrm>
-              <a:off x="5072963" y="13189830"/>
-              <a:ext cx="3708827" cy="1102911"/>
-            </a:xfrm>
-            <a:prstGeom prst="rect">
-              <a:avLst/>
-            </a:prstGeom>
-            <a:noFill/>
-            <a:ln>
-              <a:solidFill>
-                <a:schemeClr val="tx1"/>
-              </a:solidFill>
-            </a:ln>
-          </p:spPr>
-          <p:txBody>
-            <a:bodyPr wrap="square" rtlCol="0">
-              <a:spAutoFit/>
-            </a:bodyPr>
-            <a:lstStyle/>
-            <a:p>
-              <a:pPr algn="ctr"/>
-              <a:r>
-                <a:rPr lang="ja-JP" altLang="en-US" sz="2522" dirty="0"/>
-                <a:t>取得したい情報を要求</a:t>
-              </a:r>
-            </a:p>
-          </p:txBody>
-        </p:sp>
-        <p:sp>
-          <p:nvSpPr>
-            <p:cNvPr id="26" name="テキスト ボックス 25">
-              <a:extLst>
-                <a:ext uri="{FF2B5EF4-FFF2-40B4-BE49-F238E27FC236}">
-                  <a16:creationId xmlns:a16="http://schemas.microsoft.com/office/drawing/2014/main" id="{AAC932E3-BAF7-4D51-BF83-A55155E92430}"/>
-                </a:ext>
-              </a:extLst>
-            </p:cNvPr>
-            <p:cNvSpPr txBox="1"/>
-            <p:nvPr/>
-          </p:nvSpPr>
-          <p:spPr>
-            <a:xfrm>
-              <a:off x="4298251" y="4629715"/>
-              <a:ext cx="2269923" cy="1102911"/>
-            </a:xfrm>
-            <a:prstGeom prst="rect">
-              <a:avLst/>
-            </a:prstGeom>
-            <a:noFill/>
-            <a:ln>
-              <a:solidFill>
-                <a:schemeClr val="tx1"/>
-              </a:solidFill>
-            </a:ln>
-          </p:spPr>
-          <p:txBody>
-            <a:bodyPr wrap="square" rtlCol="0">
-              <a:spAutoFit/>
-            </a:bodyPr>
-            <a:lstStyle/>
-            <a:p>
-              <a:pPr algn="ctr"/>
-              <a:r>
-                <a:rPr lang="ja-JP" altLang="en-US" sz="2522" dirty="0"/>
-                <a:t>取得したい情報の応答</a:t>
+                <a:t>受領者の端末</a:t>
               </a:r>
             </a:p>
           </p:txBody>
@@ -3920,7 +3641,7 @@
             <p:nvPr/>
           </p:nvPicPr>
           <p:blipFill>
-            <a:blip r:embed="rId4">
+            <a:blip r:embed="rId5">
               <a:extLst>
                 <a:ext uri="{28A0092B-C50C-407E-A947-70E740481C1C}">
                   <a14:useLocalDpi xmlns:a14="http://schemas.microsoft.com/office/drawing/2010/main" val="0"/>
@@ -3934,8 +3655,8 @@
           </p:blipFill>
           <p:spPr bwMode="auto">
             <a:xfrm>
-              <a:off x="2334077" y="5745920"/>
-              <a:ext cx="2786743" cy="2265645"/>
+              <a:off x="2147239" y="4766476"/>
+              <a:ext cx="2194634" cy="1784255"/>
             </a:xfrm>
             <a:prstGeom prst="rect">
               <a:avLst/>
@@ -3967,7 +3688,7 @@
             <p:nvPr/>
           </p:nvPicPr>
           <p:blipFill>
-            <a:blip r:embed="rId5">
+            <a:blip r:embed="rId6">
               <a:extLst>
                 <a:ext uri="{28A0092B-C50C-407E-A947-70E740481C1C}">
                   <a14:useLocalDpi xmlns:a14="http://schemas.microsoft.com/office/drawing/2010/main" val="0"/>
@@ -3980,8 +3701,8 @@
           </p:blipFill>
           <p:spPr>
             <a:xfrm>
-              <a:off x="6536471" y="3065152"/>
-              <a:ext cx="4024843" cy="1383541"/>
+              <a:off x="6130498" y="5157868"/>
+              <a:ext cx="3169670" cy="1089575"/>
             </a:xfrm>
             <a:prstGeom prst="rect">
               <a:avLst/>
@@ -4007,8 +3728,8 @@
           </p:nvSpPr>
           <p:spPr>
             <a:xfrm>
-              <a:off x="7388156" y="5944354"/>
-              <a:ext cx="3340330" cy="1102911"/>
+              <a:off x="4003220" y="4149857"/>
+              <a:ext cx="2630597" cy="868571"/>
             </a:xfrm>
             <a:prstGeom prst="rect">
               <a:avLst/>
@@ -4048,8 +3769,8 @@
           </p:nvSpPr>
           <p:spPr>
             <a:xfrm>
-              <a:off x="5855310" y="1758648"/>
-              <a:ext cx="1532847" cy="610079"/>
+              <a:off x="5111058" y="1447696"/>
+              <a:ext cx="1207157" cy="480453"/>
             </a:xfrm>
             <a:prstGeom prst="rect">
               <a:avLst/>
@@ -4089,8 +3810,8 @@
           </p:nvSpPr>
           <p:spPr>
             <a:xfrm rot="5400000">
-              <a:off x="2807773" y="9064447"/>
-              <a:ext cx="1077861" cy="587319"/>
+              <a:off x="2520287" y="7379902"/>
+              <a:ext cx="848844" cy="462529"/>
             </a:xfrm>
             <a:prstGeom prst="rightArrow">
               <a:avLst/>
@@ -4143,62 +3864,8 @@
           </p:nvSpPr>
           <p:spPr>
             <a:xfrm rot="16200000" flipV="1">
-              <a:off x="3457356" y="9031074"/>
-              <a:ext cx="1077860" cy="587317"/>
-            </a:xfrm>
-            <a:prstGeom prst="rightArrow">
-              <a:avLst/>
-            </a:prstGeom>
-            <a:solidFill>
-              <a:srgbClr val="00B0F0"/>
-            </a:solidFill>
-            <a:ln>
-              <a:solidFill>
-                <a:schemeClr val="tx1"/>
-              </a:solidFill>
-            </a:ln>
-          </p:spPr>
-          <p:style>
-            <a:lnRef idx="2">
-              <a:schemeClr val="accent1">
-                <a:shade val="50000"/>
-              </a:schemeClr>
-            </a:lnRef>
-            <a:fillRef idx="1">
-              <a:schemeClr val="accent1"/>
-            </a:fillRef>
-            <a:effectRef idx="0">
-              <a:schemeClr val="accent1"/>
-            </a:effectRef>
-            <a:fontRef idx="minor">
-              <a:schemeClr val="lt1"/>
-            </a:fontRef>
-          </p:style>
-          <p:txBody>
-            <a:bodyPr rtlCol="0" anchor="ctr"/>
-            <a:lstStyle/>
-            <a:p>
-              <a:pPr algn="ctr"/>
-              <a:endParaRPr lang="ja-JP" altLang="en-US" sz="2522"/>
-            </a:p>
-          </p:txBody>
-        </p:sp>
-        <p:sp>
-          <p:nvSpPr>
-            <p:cNvPr id="33" name="矢印: 右 32">
-              <a:extLst>
-                <a:ext uri="{FF2B5EF4-FFF2-40B4-BE49-F238E27FC236}">
-                  <a16:creationId xmlns:a16="http://schemas.microsoft.com/office/drawing/2014/main" id="{ED60F132-6424-4BED-BA99-B70975DEE74C}"/>
-                </a:ext>
-              </a:extLst>
-            </p:cNvPr>
-            <p:cNvSpPr/>
-            <p:nvPr/>
-          </p:nvSpPr>
-          <p:spPr>
-            <a:xfrm rot="712489" flipV="1">
-              <a:off x="4745615" y="12028227"/>
-              <a:ext cx="1901008" cy="687579"/>
+              <a:off x="3031851" y="7353620"/>
+              <a:ext cx="848843" cy="462528"/>
             </a:xfrm>
             <a:prstGeom prst="rightArrow">
               <a:avLst/>
@@ -4250,9 +3917,9 @@
             <p:nvPr/>
           </p:nvSpPr>
           <p:spPr>
-            <a:xfrm rot="13154124" flipV="1">
-              <a:off x="4679647" y="2173187"/>
-              <a:ext cx="1802816" cy="707080"/>
+            <a:xfrm rot="10800000" flipV="1">
+              <a:off x="4174834" y="1978103"/>
+              <a:ext cx="3467281" cy="511701"/>
             </a:xfrm>
             <a:prstGeom prst="rightArrow">
               <a:avLst/>
@@ -4293,10 +3960,118 @@
         </p:sp>
         <p:sp>
           <p:nvSpPr>
-            <p:cNvPr id="3" name="正方形/長方形 2">
+            <p:cNvPr id="36" name="矢印: 右 35">
               <a:extLst>
                 <a:ext uri="{FF2B5EF4-FFF2-40B4-BE49-F238E27FC236}">
-                  <a16:creationId xmlns:a16="http://schemas.microsoft.com/office/drawing/2014/main" id="{6110B63D-AE90-4048-A4DC-D95474758C3A}"/>
+                  <a16:creationId xmlns:a16="http://schemas.microsoft.com/office/drawing/2014/main" id="{1041CDFF-D0A4-43A7-ACDE-9AF9C209429F}"/>
+                </a:ext>
+              </a:extLst>
+            </p:cNvPr>
+            <p:cNvSpPr/>
+            <p:nvPr/>
+          </p:nvSpPr>
+          <p:spPr>
+            <a:xfrm rot="10800000" flipH="1" flipV="1">
+              <a:off x="4174836" y="5394820"/>
+              <a:ext cx="1795862" cy="495451"/>
+            </a:xfrm>
+            <a:prstGeom prst="rightArrow">
+              <a:avLst/>
+            </a:prstGeom>
+            <a:solidFill>
+              <a:srgbClr val="00B0F0"/>
+            </a:solidFill>
+            <a:ln>
+              <a:solidFill>
+                <a:schemeClr val="tx1"/>
+              </a:solidFill>
+            </a:ln>
+          </p:spPr>
+          <p:style>
+            <a:lnRef idx="2">
+              <a:schemeClr val="accent1">
+                <a:shade val="50000"/>
+              </a:schemeClr>
+            </a:lnRef>
+            <a:fillRef idx="1">
+              <a:schemeClr val="accent1"/>
+            </a:fillRef>
+            <a:effectRef idx="0">
+              <a:schemeClr val="accent1"/>
+            </a:effectRef>
+            <a:fontRef idx="minor">
+              <a:schemeClr val="lt1"/>
+            </a:fontRef>
+          </p:style>
+          <p:txBody>
+            <a:bodyPr rtlCol="0" anchor="ctr"/>
+            <a:lstStyle/>
+            <a:p>
+              <a:pPr algn="ctr"/>
+              <a:endParaRPr lang="ja-JP" altLang="en-US" sz="2522" dirty="0"/>
+            </a:p>
+          </p:txBody>
+        </p:sp>
+        <p:sp>
+          <p:nvSpPr>
+            <p:cNvPr id="29" name="矢印: 右 28">
+              <a:extLst>
+                <a:ext uri="{FF2B5EF4-FFF2-40B4-BE49-F238E27FC236}">
+                  <a16:creationId xmlns:a16="http://schemas.microsoft.com/office/drawing/2014/main" id="{2B4BEE6E-6B6C-4637-A26B-AD524FD04D81}"/>
+                </a:ext>
+              </a:extLst>
+            </p:cNvPr>
+            <p:cNvSpPr/>
+            <p:nvPr/>
+          </p:nvSpPr>
+          <p:spPr>
+            <a:xfrm flipH="1" flipV="1">
+              <a:off x="4174835" y="8166943"/>
+              <a:ext cx="3456075" cy="495451"/>
+            </a:xfrm>
+            <a:prstGeom prst="rightArrow">
+              <a:avLst/>
+            </a:prstGeom>
+            <a:solidFill>
+              <a:srgbClr val="00B0F0"/>
+            </a:solidFill>
+            <a:ln>
+              <a:solidFill>
+                <a:schemeClr val="tx1"/>
+              </a:solidFill>
+            </a:ln>
+          </p:spPr>
+          <p:style>
+            <a:lnRef idx="2">
+              <a:schemeClr val="accent1">
+                <a:shade val="50000"/>
+              </a:schemeClr>
+            </a:lnRef>
+            <a:fillRef idx="1">
+              <a:schemeClr val="accent1"/>
+            </a:fillRef>
+            <a:effectRef idx="0">
+              <a:schemeClr val="accent1"/>
+            </a:effectRef>
+            <a:fontRef idx="minor">
+              <a:schemeClr val="lt1"/>
+            </a:fontRef>
+          </p:style>
+          <p:txBody>
+            <a:bodyPr rtlCol="0" anchor="ctr"/>
+            <a:lstStyle/>
+            <a:p>
+              <a:pPr algn="ctr"/>
+              <a:endParaRPr lang="ja-JP" altLang="en-US" sz="2522" dirty="0"/>
+            </a:p>
+          </p:txBody>
+        </p:sp>
+        <p:sp>
+          <p:nvSpPr>
+            <p:cNvPr id="2" name="正方形/長方形 1">
+              <a:extLst>
+                <a:ext uri="{FF2B5EF4-FFF2-40B4-BE49-F238E27FC236}">
+                  <a16:creationId xmlns:a16="http://schemas.microsoft.com/office/drawing/2014/main" id="{5FE999B7-9924-4E98-A033-28CE7EDC01F2}"/>
                 </a:ext>
               </a:extLst>
             </p:cNvPr>
@@ -4305,8 +4080,8 @@
           </p:nvSpPr>
           <p:spPr>
             <a:xfrm>
-              <a:off x="5236289" y="7022213"/>
-              <a:ext cx="1912228" cy="405714"/>
+              <a:off x="7383778" y="6411060"/>
+              <a:ext cx="258338" cy="2111781"/>
             </a:xfrm>
             <a:prstGeom prst="rect">
               <a:avLst/>
@@ -4337,25 +4112,20 @@
             </a:fontRef>
           </p:style>
           <p:txBody>
-            <a:bodyPr rot="0" spcFirstLastPara="0" vertOverflow="overflow" horzOverflow="overflow" vert="horz" wrap="square" lIns="72011" tIns="36005" rIns="72011" bIns="36005" numCol="1" spcCol="0" rtlCol="0" fromWordArt="0" anchor="ctr" anchorCtr="0" forceAA="0" compatLnSpc="1">
-              <a:prstTxWarp prst="textNoShape">
-                <a:avLst/>
-              </a:prstTxWarp>
-              <a:noAutofit/>
-            </a:bodyPr>
+            <a:bodyPr rtlCol="0" anchor="ctr"/>
             <a:lstStyle/>
             <a:p>
               <a:pPr algn="ctr"/>
-              <a:endParaRPr kumimoji="1" lang="ja-JP" altLang="en-US" sz="1418"/>
+              <a:endParaRPr kumimoji="1" lang="ja-JP" altLang="en-US"/>
             </a:p>
           </p:txBody>
         </p:sp>
         <p:sp>
           <p:nvSpPr>
-            <p:cNvPr id="36" name="矢印: 右 35">
+            <p:cNvPr id="5" name="正方形/長方形 4">
               <a:extLst>
                 <a:ext uri="{FF2B5EF4-FFF2-40B4-BE49-F238E27FC236}">
-                  <a16:creationId xmlns:a16="http://schemas.microsoft.com/office/drawing/2014/main" id="{1041CDFF-D0A4-43A7-ACDE-9AF9C209429F}"/>
+                  <a16:creationId xmlns:a16="http://schemas.microsoft.com/office/drawing/2014/main" id="{FD1F7C75-05CC-4B3D-9163-80AE0CE9D16A}"/>
                 </a:ext>
               </a:extLst>
             </p:cNvPr>
@@ -4363,9 +4133,208 @@
             <p:nvPr/>
           </p:nvSpPr>
           <p:spPr>
-            <a:xfrm rot="5400000" flipH="1" flipV="1">
-              <a:off x="5735168" y="5721578"/>
-              <a:ext cx="2792335" cy="587318"/>
+            <a:xfrm>
+              <a:off x="6932100" y="8331534"/>
+              <a:ext cx="710016" cy="200275"/>
+            </a:xfrm>
+            <a:prstGeom prst="rect">
+              <a:avLst/>
+            </a:prstGeom>
+            <a:solidFill>
+              <a:srgbClr val="00B0F0"/>
+            </a:solidFill>
+            <a:ln>
+              <a:noFill/>
+            </a:ln>
+          </p:spPr>
+          <p:style>
+            <a:lnRef idx="2">
+              <a:schemeClr val="accent1">
+                <a:shade val="50000"/>
+              </a:schemeClr>
+            </a:lnRef>
+            <a:fillRef idx="1">
+              <a:schemeClr val="accent1"/>
+            </a:fillRef>
+            <a:effectRef idx="0">
+              <a:schemeClr val="accent1"/>
+            </a:effectRef>
+            <a:fontRef idx="minor">
+              <a:schemeClr val="lt1"/>
+            </a:fontRef>
+          </p:style>
+          <p:txBody>
+            <a:bodyPr rtlCol="0" anchor="ctr"/>
+            <a:lstStyle/>
+            <a:p>
+              <a:pPr algn="ctr"/>
+              <a:endParaRPr kumimoji="1" lang="ja-JP" altLang="en-US"/>
+            </a:p>
+          </p:txBody>
+        </p:sp>
+        <p:sp>
+          <p:nvSpPr>
+            <p:cNvPr id="34" name="テキスト ボックス 33">
+              <a:extLst>
+                <a:ext uri="{FF2B5EF4-FFF2-40B4-BE49-F238E27FC236}">
+                  <a16:creationId xmlns:a16="http://schemas.microsoft.com/office/drawing/2014/main" id="{C7C4120E-FAE5-4A8F-A3FF-5A66BB817D7B}"/>
+                </a:ext>
+              </a:extLst>
+            </p:cNvPr>
+            <p:cNvSpPr txBox="1"/>
+            <p:nvPr/>
+          </p:nvSpPr>
+          <p:spPr>
+            <a:xfrm>
+              <a:off x="5111058" y="7686490"/>
+              <a:ext cx="1207157" cy="480453"/>
+            </a:xfrm>
+            <a:prstGeom prst="rect">
+              <a:avLst/>
+            </a:prstGeom>
+            <a:noFill/>
+            <a:ln>
+              <a:solidFill>
+                <a:schemeClr val="tx1"/>
+              </a:solidFill>
+            </a:ln>
+          </p:spPr>
+          <p:txBody>
+            <a:bodyPr wrap="square" rtlCol="0">
+              <a:spAutoFit/>
+            </a:bodyPr>
+            <a:lstStyle/>
+            <a:p>
+              <a:pPr algn="ctr"/>
+              <a:r>
+                <a:rPr lang="ja-JP" altLang="en-US" sz="2522" dirty="0"/>
+                <a:t>通知</a:t>
+              </a:r>
+            </a:p>
+          </p:txBody>
+        </p:sp>
+        <p:sp>
+          <p:nvSpPr>
+            <p:cNvPr id="46" name="正方形/長方形 45">
+              <a:extLst>
+                <a:ext uri="{FF2B5EF4-FFF2-40B4-BE49-F238E27FC236}">
+                  <a16:creationId xmlns:a16="http://schemas.microsoft.com/office/drawing/2014/main" id="{FC6B31C6-648A-4E35-848D-11334191EF1D}"/>
+                </a:ext>
+              </a:extLst>
+            </p:cNvPr>
+            <p:cNvSpPr/>
+            <p:nvPr/>
+          </p:nvSpPr>
+          <p:spPr>
+            <a:xfrm>
+              <a:off x="7391799" y="2106849"/>
+              <a:ext cx="250317" cy="2790480"/>
+            </a:xfrm>
+            <a:prstGeom prst="rect">
+              <a:avLst/>
+            </a:prstGeom>
+            <a:solidFill>
+              <a:srgbClr val="00B0F0"/>
+            </a:solidFill>
+            <a:ln>
+              <a:solidFill>
+                <a:schemeClr val="tx1"/>
+              </a:solidFill>
+            </a:ln>
+          </p:spPr>
+          <p:style>
+            <a:lnRef idx="2">
+              <a:schemeClr val="accent1">
+                <a:shade val="50000"/>
+              </a:schemeClr>
+            </a:lnRef>
+            <a:fillRef idx="1">
+              <a:schemeClr val="accent1"/>
+            </a:fillRef>
+            <a:effectRef idx="0">
+              <a:schemeClr val="accent1"/>
+            </a:effectRef>
+            <a:fontRef idx="minor">
+              <a:schemeClr val="lt1"/>
+            </a:fontRef>
+          </p:style>
+          <p:txBody>
+            <a:bodyPr rtlCol="0" anchor="ctr"/>
+            <a:lstStyle/>
+            <a:p>
+              <a:pPr algn="ctr"/>
+              <a:endParaRPr kumimoji="1" lang="ja-JP" altLang="en-US"/>
+            </a:p>
+          </p:txBody>
+        </p:sp>
+        <p:sp>
+          <p:nvSpPr>
+            <p:cNvPr id="49" name="正方形/長方形 48">
+              <a:extLst>
+                <a:ext uri="{FF2B5EF4-FFF2-40B4-BE49-F238E27FC236}">
+                  <a16:creationId xmlns:a16="http://schemas.microsoft.com/office/drawing/2014/main" id="{26A88F4E-E9C9-47C6-9583-F75FBD11741C}"/>
+                </a:ext>
+              </a:extLst>
+            </p:cNvPr>
+            <p:cNvSpPr/>
+            <p:nvPr/>
+          </p:nvSpPr>
+          <p:spPr>
+            <a:xfrm>
+              <a:off x="6951892" y="2115484"/>
+              <a:ext cx="704975" cy="199623"/>
+            </a:xfrm>
+            <a:prstGeom prst="rect">
+              <a:avLst/>
+            </a:prstGeom>
+            <a:solidFill>
+              <a:srgbClr val="00B0F0"/>
+            </a:solidFill>
+            <a:ln>
+              <a:noFill/>
+            </a:ln>
+          </p:spPr>
+          <p:style>
+            <a:lnRef idx="2">
+              <a:schemeClr val="accent1">
+                <a:shade val="50000"/>
+              </a:schemeClr>
+            </a:lnRef>
+            <a:fillRef idx="1">
+              <a:schemeClr val="accent1"/>
+            </a:fillRef>
+            <a:effectRef idx="0">
+              <a:schemeClr val="accent1"/>
+            </a:effectRef>
+            <a:fontRef idx="minor">
+              <a:schemeClr val="lt1"/>
+            </a:fontRef>
+          </p:style>
+          <p:txBody>
+            <a:bodyPr rtlCol="0" anchor="ctr"/>
+            <a:lstStyle/>
+            <a:p>
+              <a:pPr algn="ctr"/>
+              <a:endParaRPr kumimoji="1" lang="ja-JP" altLang="en-US" dirty="0"/>
+            </a:p>
+          </p:txBody>
+        </p:sp>
+        <p:sp>
+          <p:nvSpPr>
+            <p:cNvPr id="50" name="矢印: 右 49">
+              <a:extLst>
+                <a:ext uri="{FF2B5EF4-FFF2-40B4-BE49-F238E27FC236}">
+                  <a16:creationId xmlns:a16="http://schemas.microsoft.com/office/drawing/2014/main" id="{683586CC-6A1E-4236-BD24-BCD5C93AF011}"/>
+                </a:ext>
+              </a:extLst>
+            </p:cNvPr>
+            <p:cNvSpPr/>
+            <p:nvPr/>
+          </p:nvSpPr>
+          <p:spPr>
+            <a:xfrm rot="898270" flipH="1">
+              <a:off x="4145819" y="9111020"/>
+              <a:ext cx="1146991" cy="389055"/>
             </a:xfrm>
             <a:prstGeom prst="rightArrow">
               <a:avLst/>
@@ -4406,10 +4375,10 @@
         </p:sp>
         <p:sp>
           <p:nvSpPr>
-            <p:cNvPr id="6" name="正方形/長方形 5">
+            <p:cNvPr id="52" name="矢印: 右 51">
               <a:extLst>
                 <a:ext uri="{FF2B5EF4-FFF2-40B4-BE49-F238E27FC236}">
-                  <a16:creationId xmlns:a16="http://schemas.microsoft.com/office/drawing/2014/main" id="{C267090A-A938-4937-A20A-EF39B24E5909}"/>
+                  <a16:creationId xmlns:a16="http://schemas.microsoft.com/office/drawing/2014/main" id="{390B2FDA-A73B-4DF7-9A08-5B5A571903BF}"/>
                 </a:ext>
               </a:extLst>
             </p:cNvPr>
@@ -4417,265 +4386,9 @@
             <p:nvPr/>
           </p:nvSpPr>
           <p:spPr>
-            <a:xfrm>
-              <a:off x="6562868" y="7063440"/>
-              <a:ext cx="585649" cy="340354"/>
-            </a:xfrm>
-            <a:prstGeom prst="rect">
-              <a:avLst/>
-            </a:prstGeom>
-            <a:solidFill>
-              <a:srgbClr val="00B0F0"/>
-            </a:solidFill>
-            <a:ln>
-              <a:noFill/>
-            </a:ln>
-          </p:spPr>
-          <p:style>
-            <a:lnRef idx="2">
-              <a:schemeClr val="accent1">
-                <a:shade val="50000"/>
-              </a:schemeClr>
-            </a:lnRef>
-            <a:fillRef idx="1">
-              <a:schemeClr val="accent1"/>
-            </a:fillRef>
-            <a:effectRef idx="0">
-              <a:schemeClr val="accent1"/>
-            </a:effectRef>
-            <a:fontRef idx="minor">
-              <a:schemeClr val="lt1"/>
-            </a:fontRef>
-          </p:style>
-          <p:txBody>
-            <a:bodyPr rot="0" spcFirstLastPara="0" vertOverflow="overflow" horzOverflow="overflow" vert="horz" wrap="square" lIns="72011" tIns="36005" rIns="72011" bIns="36005" numCol="1" spcCol="0" rtlCol="0" fromWordArt="0" anchor="ctr" anchorCtr="0" forceAA="0" compatLnSpc="1">
-              <a:prstTxWarp prst="textNoShape">
-                <a:avLst/>
-              </a:prstTxWarp>
-              <a:noAutofit/>
-            </a:bodyPr>
-            <a:lstStyle/>
-            <a:p>
-              <a:pPr algn="ctr"/>
-              <a:endParaRPr kumimoji="1" lang="ja-JP" altLang="en-US" sz="1418"/>
-            </a:p>
-          </p:txBody>
-        </p:sp>
-        <p:sp>
-          <p:nvSpPr>
-            <p:cNvPr id="38" name="矢印: 右 37">
-              <a:extLst>
-                <a:ext uri="{FF2B5EF4-FFF2-40B4-BE49-F238E27FC236}">
-                  <a16:creationId xmlns:a16="http://schemas.microsoft.com/office/drawing/2014/main" id="{3FA273A6-EAC3-44AD-B7B8-AAD07BE63ACE}"/>
-                </a:ext>
-              </a:extLst>
-            </p:cNvPr>
-            <p:cNvSpPr/>
-            <p:nvPr/>
-          </p:nvSpPr>
-          <p:spPr>
-            <a:xfrm rot="712489" flipH="1">
-              <a:off x="4745614" y="11321847"/>
-              <a:ext cx="1901008" cy="687579"/>
-            </a:xfrm>
-            <a:prstGeom prst="rightArrow">
-              <a:avLst/>
-            </a:prstGeom>
-            <a:solidFill>
-              <a:srgbClr val="00B0F0"/>
-            </a:solidFill>
-            <a:ln>
-              <a:solidFill>
-                <a:schemeClr val="tx1"/>
-              </a:solidFill>
-            </a:ln>
-          </p:spPr>
-          <p:style>
-            <a:lnRef idx="2">
-              <a:schemeClr val="accent1">
-                <a:shade val="50000"/>
-              </a:schemeClr>
-            </a:lnRef>
-            <a:fillRef idx="1">
-              <a:schemeClr val="accent1"/>
-            </a:fillRef>
-            <a:effectRef idx="0">
-              <a:schemeClr val="accent1"/>
-            </a:effectRef>
-            <a:fontRef idx="minor">
-              <a:schemeClr val="lt1"/>
-            </a:fontRef>
-          </p:style>
-          <p:txBody>
-            <a:bodyPr rtlCol="0" anchor="ctr"/>
-            <a:lstStyle/>
-            <a:p>
-              <a:pPr algn="ctr"/>
-              <a:endParaRPr lang="ja-JP" altLang="en-US" sz="2522"/>
-            </a:p>
-          </p:txBody>
-        </p:sp>
-      </p:grpSp>
-    </p:spTree>
-    <p:extLst>
-      <p:ext uri="{BB962C8B-B14F-4D97-AF65-F5344CB8AC3E}">
-        <p14:creationId xmlns:p14="http://schemas.microsoft.com/office/powerpoint/2010/main" val="2965438107"/>
-      </p:ext>
-    </p:extLst>
-  </p:cSld>
-  <p:clrMapOvr>
-    <a:masterClrMapping/>
-  </p:clrMapOvr>
-</p:sld>
-</file>
-
-<file path=ppt/slides/slide2.xml><?xml version="1.0" encoding="utf-8"?>
-<p:sld xmlns:a="http://schemas.openxmlformats.org/drawingml/2006/main" xmlns:r="http://schemas.openxmlformats.org/officeDocument/2006/relationships" xmlns:p="http://schemas.openxmlformats.org/presentationml/2006/main">
-  <p:cSld>
-    <p:spTree>
-      <p:nvGrpSpPr>
-        <p:cNvPr id="1" name=""/>
-        <p:cNvGrpSpPr/>
-        <p:nvPr/>
-      </p:nvGrpSpPr>
-      <p:grpSpPr>
-        <a:xfrm>
-          <a:off x="0" y="0"/>
-          <a:ext cx="0" cy="0"/>
-          <a:chOff x="0" y="0"/>
-          <a:chExt cx="0" cy="0"/>
-        </a:xfrm>
-      </p:grpSpPr>
-      <p:grpSp>
-        <p:nvGrpSpPr>
-          <p:cNvPr id="10" name="グループ化 9">
-            <a:extLst>
-              <a:ext uri="{FF2B5EF4-FFF2-40B4-BE49-F238E27FC236}">
-                <a16:creationId xmlns:a16="http://schemas.microsoft.com/office/drawing/2014/main" id="{66E8B61E-5ED7-427E-B5C5-D0E09349BCEC}"/>
-              </a:ext>
-            </a:extLst>
-          </p:cNvPr>
-          <p:cNvGrpSpPr/>
-          <p:nvPr/>
-        </p:nvGrpSpPr>
-        <p:grpSpPr>
-          <a:xfrm>
-            <a:off x="402731" y="647466"/>
-            <a:ext cx="8914800" cy="11305055"/>
-            <a:chOff x="-18193" y="1118670"/>
-            <a:chExt cx="10746679" cy="13125045"/>
-          </a:xfrm>
-        </p:grpSpPr>
-        <p:pic>
-          <p:nvPicPr>
-            <p:cNvPr id="1034" name="Picture 10" descr="ãã¹ãããç´ æãã¤ã©ã¹ããã®ç»åæ¤ç´¢çµæ">
-              <a:extLst>
-                <a:ext uri="{FF2B5EF4-FFF2-40B4-BE49-F238E27FC236}">
-                  <a16:creationId xmlns:a16="http://schemas.microsoft.com/office/drawing/2014/main" id="{544C091A-54DA-48AC-99F8-885D1751F9E7}"/>
-                </a:ext>
-              </a:extLst>
-            </p:cNvPr>
-            <p:cNvPicPr>
-              <a:picLocks noChangeAspect="1" noChangeArrowheads="1"/>
-            </p:cNvPicPr>
-            <p:nvPr/>
-          </p:nvPicPr>
-          <p:blipFill>
-            <a:blip r:embed="rId2">
-              <a:extLst>
-                <a:ext uri="{28A0092B-C50C-407E-A947-70E740481C1C}">
-                  <a14:useLocalDpi xmlns:a14="http://schemas.microsoft.com/office/drawing/2010/main" val="0"/>
-                </a:ext>
-              </a:extLst>
-            </a:blip>
-            <a:srcRect/>
-            <a:stretch>
-              <a:fillRect/>
-            </a:stretch>
-          </p:blipFill>
-          <p:spPr bwMode="auto">
-            <a:xfrm>
-              <a:off x="2136874" y="9996004"/>
-              <a:ext cx="3181147" cy="2385861"/>
-            </a:xfrm>
-            <a:prstGeom prst="rect">
-              <a:avLst/>
-            </a:prstGeom>
-            <a:noFill/>
-            <a:extLst>
-              <a:ext uri="{909E8E84-426E-40DD-AFC4-6F175D3DCCD1}">
-                <a14:hiddenFill xmlns:a14="http://schemas.microsoft.com/office/drawing/2010/main">
-                  <a:solidFill>
-                    <a:srgbClr val="FFFFFF"/>
-                  </a:solidFill>
-                </a14:hiddenFill>
-              </a:ext>
-            </a:extLst>
-          </p:spPr>
-        </p:pic>
-        <p:pic>
-          <p:nvPicPr>
-            <p:cNvPr id="1036" name="Picture 12" descr="ãã¹ãããç´ æãã¤ã©ã¹ããã®ç»åæ¤ç´¢çµæ">
-              <a:extLst>
-                <a:ext uri="{FF2B5EF4-FFF2-40B4-BE49-F238E27FC236}">
-                  <a16:creationId xmlns:a16="http://schemas.microsoft.com/office/drawing/2014/main" id="{DFB787F1-4B42-4558-AD0B-D4CAC99DA63D}"/>
-                </a:ext>
-              </a:extLst>
-            </p:cNvPr>
-            <p:cNvPicPr>
-              <a:picLocks noChangeAspect="1" noChangeArrowheads="1"/>
-            </p:cNvPicPr>
-            <p:nvPr/>
-          </p:nvPicPr>
-          <p:blipFill>
-            <a:blip r:embed="rId3">
-              <a:extLst>
-                <a:ext uri="{28A0092B-C50C-407E-A947-70E740481C1C}">
-                  <a14:useLocalDpi xmlns:a14="http://schemas.microsoft.com/office/drawing/2010/main" val="0"/>
-                </a:ext>
-              </a:extLst>
-            </a:blip>
-            <a:srcRect/>
-            <a:stretch>
-              <a:fillRect/>
-            </a:stretch>
-          </p:blipFill>
-          <p:spPr bwMode="auto">
-            <a:xfrm>
-              <a:off x="2362766" y="1118670"/>
-              <a:ext cx="2679724" cy="2679725"/>
-            </a:xfrm>
-            <a:prstGeom prst="rect">
-              <a:avLst/>
-            </a:prstGeom>
-            <a:noFill/>
-            <a:extLst>
-              <a:ext uri="{909E8E84-426E-40DD-AFC4-6F175D3DCCD1}">
-                <a14:hiddenFill xmlns:a14="http://schemas.microsoft.com/office/drawing/2010/main">
-                  <a:solidFill>
-                    <a:srgbClr val="FFFFFF"/>
-                  </a:solidFill>
-                </a14:hiddenFill>
-              </a:ext>
-            </a:extLst>
-          </p:spPr>
-        </p:pic>
-        <p:sp>
-          <p:nvSpPr>
-            <p:cNvPr id="7" name="矢印: 右 6">
-              <a:extLst>
-                <a:ext uri="{FF2B5EF4-FFF2-40B4-BE49-F238E27FC236}">
-                  <a16:creationId xmlns:a16="http://schemas.microsoft.com/office/drawing/2014/main" id="{6995EEA7-1A08-43F3-A419-F9F0CDE09CB0}"/>
-                </a:ext>
-              </a:extLst>
-            </p:cNvPr>
-            <p:cNvSpPr/>
-            <p:nvPr/>
-          </p:nvSpPr>
-          <p:spPr>
-            <a:xfrm rot="16200000" flipV="1">
-              <a:off x="3457357" y="4823097"/>
-              <a:ext cx="1077860" cy="587317"/>
+            <a:xfrm rot="898270" flipV="1">
+              <a:off x="4091802" y="9552519"/>
+              <a:ext cx="1146991" cy="389055"/>
             </a:xfrm>
             <a:prstGeom prst="rightArrow">
               <a:avLst/>
@@ -4716,10 +4429,10 @@
         </p:sp>
         <p:sp>
           <p:nvSpPr>
-            <p:cNvPr id="12" name="矢印: 右 11">
+            <p:cNvPr id="22" name="正方形/長方形 21">
               <a:extLst>
                 <a:ext uri="{FF2B5EF4-FFF2-40B4-BE49-F238E27FC236}">
-                  <a16:creationId xmlns:a16="http://schemas.microsoft.com/office/drawing/2014/main" id="{C102ABD7-A87B-4F23-8E0E-652D988F1214}"/>
+                  <a16:creationId xmlns:a16="http://schemas.microsoft.com/office/drawing/2014/main" id="{5A3F0C4E-FC05-48C6-9499-DA7F03E5E9CE}"/>
                 </a:ext>
               </a:extLst>
             </p:cNvPr>
@@ -4727,19 +4440,17 @@
             <p:nvPr/>
           </p:nvSpPr>
           <p:spPr>
-            <a:xfrm rot="5400000">
-              <a:off x="2807774" y="4854601"/>
-              <a:ext cx="1077861" cy="587319"/>
+            <a:xfrm>
+              <a:off x="5432723" y="9296579"/>
+              <a:ext cx="3609106" cy="880649"/>
             </a:xfrm>
-            <a:prstGeom prst="rightArrow">
+            <a:prstGeom prst="rect">
               <a:avLst/>
             </a:prstGeom>
-            <a:solidFill>
-              <a:srgbClr val="00B0F0"/>
-            </a:solidFill>
+            <a:noFill/>
             <a:ln>
               <a:solidFill>
-                <a:schemeClr val="tx1"/>
+                <a:schemeClr val="accent4"/>
               </a:solidFill>
             </a:ln>
           </p:spPr>
@@ -4764,1050 +4475,47 @@
             <a:lstStyle/>
             <a:p>
               <a:pPr algn="ctr"/>
-              <a:endParaRPr lang="ja-JP" altLang="en-US" sz="2522" dirty="0"/>
-            </a:p>
-          </p:txBody>
-        </p:sp>
-        <p:sp>
-          <p:nvSpPr>
-            <p:cNvPr id="8" name="テキスト ボックス 7">
-              <a:extLst>
-                <a:ext uri="{FF2B5EF4-FFF2-40B4-BE49-F238E27FC236}">
-                  <a16:creationId xmlns:a16="http://schemas.microsoft.com/office/drawing/2014/main" id="{1F3591AE-49DC-404A-A608-2DDA80F8770B}"/>
-                </a:ext>
-              </a:extLst>
-            </p:cNvPr>
-            <p:cNvSpPr txBox="1"/>
-            <p:nvPr/>
-          </p:nvSpPr>
-          <p:spPr>
-            <a:xfrm>
-              <a:off x="2362769" y="12493300"/>
-              <a:ext cx="2786743" cy="582960"/>
-            </a:xfrm>
-            <a:prstGeom prst="rect">
-              <a:avLst/>
-            </a:prstGeom>
-            <a:noFill/>
-          </p:spPr>
-          <p:txBody>
-            <a:bodyPr wrap="square" rtlCol="0">
-              <a:spAutoFit/>
-            </a:bodyPr>
-            <a:lstStyle/>
-            <a:p>
-              <a:pPr algn="ctr"/>
-              <a:r>
-                <a:rPr lang="ja-JP" altLang="en-US" sz="2522" b="1" dirty="0"/>
-                <a:t>配達員の端末</a:t>
-              </a:r>
-            </a:p>
-          </p:txBody>
-        </p:sp>
-        <p:sp>
-          <p:nvSpPr>
-            <p:cNvPr id="15" name="テキスト ボックス 14">
-              <a:extLst>
-                <a:ext uri="{FF2B5EF4-FFF2-40B4-BE49-F238E27FC236}">
-                  <a16:creationId xmlns:a16="http://schemas.microsoft.com/office/drawing/2014/main" id="{9D57B759-B94E-423F-AD26-F9FDAA1BA804}"/>
-                </a:ext>
-              </a:extLst>
-            </p:cNvPr>
-            <p:cNvSpPr txBox="1"/>
-            <p:nvPr/>
-          </p:nvSpPr>
-          <p:spPr>
-            <a:xfrm>
-              <a:off x="2246992" y="8142500"/>
-              <a:ext cx="2786743" cy="582960"/>
-            </a:xfrm>
-            <a:prstGeom prst="rect">
-              <a:avLst/>
-            </a:prstGeom>
-            <a:noFill/>
-          </p:spPr>
-          <p:txBody>
-            <a:bodyPr wrap="square" rtlCol="0">
-              <a:spAutoFit/>
-            </a:bodyPr>
-            <a:lstStyle/>
-            <a:p>
-              <a:pPr algn="ctr"/>
-              <a:r>
-                <a:rPr lang="ja-JP" altLang="en-US" sz="2522" b="1" dirty="0"/>
-                <a:t>サーバ</a:t>
-              </a:r>
-            </a:p>
-          </p:txBody>
-        </p:sp>
-        <p:sp>
-          <p:nvSpPr>
-            <p:cNvPr id="16" name="テキスト ボックス 15">
-              <a:extLst>
-                <a:ext uri="{FF2B5EF4-FFF2-40B4-BE49-F238E27FC236}">
-                  <a16:creationId xmlns:a16="http://schemas.microsoft.com/office/drawing/2014/main" id="{F8F469D2-FAF1-47DE-863F-0B6AF971F168}"/>
-                </a:ext>
-              </a:extLst>
-            </p:cNvPr>
-            <p:cNvSpPr txBox="1"/>
-            <p:nvPr/>
-          </p:nvSpPr>
-          <p:spPr>
-            <a:xfrm>
-              <a:off x="2321377" y="3933998"/>
-              <a:ext cx="2786743" cy="582960"/>
-            </a:xfrm>
-            <a:prstGeom prst="rect">
-              <a:avLst/>
-            </a:prstGeom>
-            <a:noFill/>
-          </p:spPr>
-          <p:txBody>
-            <a:bodyPr wrap="square" rtlCol="0">
-              <a:spAutoFit/>
-            </a:bodyPr>
-            <a:lstStyle/>
-            <a:p>
-              <a:pPr algn="ctr"/>
-              <a:r>
-                <a:rPr lang="ja-JP" altLang="en-US" sz="2522" b="1" dirty="0"/>
-                <a:t>利用者の端末</a:t>
-              </a:r>
-            </a:p>
-          </p:txBody>
-        </p:sp>
-        <p:sp>
-          <p:nvSpPr>
-            <p:cNvPr id="9" name="テキスト ボックス 8">
-              <a:extLst>
-                <a:ext uri="{FF2B5EF4-FFF2-40B4-BE49-F238E27FC236}">
-                  <a16:creationId xmlns:a16="http://schemas.microsoft.com/office/drawing/2014/main" id="{EFB51EC2-689B-4454-B7B9-0BF4BC87127A}"/>
-                </a:ext>
-              </a:extLst>
-            </p:cNvPr>
-            <p:cNvSpPr txBox="1"/>
-            <p:nvPr/>
-          </p:nvSpPr>
-          <p:spPr>
-            <a:xfrm>
-              <a:off x="5686813" y="10303573"/>
-              <a:ext cx="3593927" cy="1053885"/>
-            </a:xfrm>
-            <a:prstGeom prst="rect">
-              <a:avLst/>
-            </a:prstGeom>
-            <a:noFill/>
-            <a:ln>
-              <a:solidFill>
-                <a:schemeClr val="tx1"/>
-              </a:solidFill>
-            </a:ln>
-          </p:spPr>
-          <p:txBody>
-            <a:bodyPr wrap="square" rtlCol="0">
-              <a:spAutoFit/>
-            </a:bodyPr>
-            <a:lstStyle/>
-            <a:p>
-              <a:pPr algn="ctr"/>
-              <a:r>
-                <a:rPr lang="ja-JP" altLang="en-US" sz="2522" dirty="0"/>
-                <a:t>取得したい情報の応答</a:t>
-              </a:r>
-            </a:p>
-          </p:txBody>
-        </p:sp>
-        <p:sp>
-          <p:nvSpPr>
-            <p:cNvPr id="18" name="テキスト ボックス 17">
-              <a:extLst>
-                <a:ext uri="{FF2B5EF4-FFF2-40B4-BE49-F238E27FC236}">
-                  <a16:creationId xmlns:a16="http://schemas.microsoft.com/office/drawing/2014/main" id="{987D6881-0EC7-4F49-ABF3-2CFF63516D6A}"/>
-                </a:ext>
-              </a:extLst>
-            </p:cNvPr>
-            <p:cNvSpPr txBox="1"/>
-            <p:nvPr/>
-          </p:nvSpPr>
-          <p:spPr>
-            <a:xfrm>
-              <a:off x="169836" y="4591374"/>
-              <a:ext cx="2527030" cy="1053885"/>
-            </a:xfrm>
-            <a:prstGeom prst="rect">
-              <a:avLst/>
-            </a:prstGeom>
-            <a:noFill/>
-            <a:ln>
-              <a:solidFill>
-                <a:schemeClr val="tx1"/>
-              </a:solidFill>
-            </a:ln>
-          </p:spPr>
-          <p:txBody>
-            <a:bodyPr wrap="square" rtlCol="0">
-              <a:spAutoFit/>
-            </a:bodyPr>
-            <a:lstStyle/>
-            <a:p>
-              <a:pPr algn="ctr"/>
-              <a:r>
-                <a:rPr lang="ja-JP" altLang="en-US" sz="2522" dirty="0"/>
-                <a:t>取得したい情報を要求</a:t>
-              </a:r>
-            </a:p>
-          </p:txBody>
-        </p:sp>
-        <p:sp>
-          <p:nvSpPr>
-            <p:cNvPr id="19" name="テキスト ボックス 18">
-              <a:extLst>
-                <a:ext uri="{FF2B5EF4-FFF2-40B4-BE49-F238E27FC236}">
-                  <a16:creationId xmlns:a16="http://schemas.microsoft.com/office/drawing/2014/main" id="{9B2A0C19-0107-489B-B4AA-AE8F8D00CB7A}"/>
-                </a:ext>
-              </a:extLst>
-            </p:cNvPr>
-            <p:cNvSpPr txBox="1"/>
-            <p:nvPr/>
-          </p:nvSpPr>
-          <p:spPr>
-            <a:xfrm>
-              <a:off x="4352210" y="9079180"/>
-              <a:ext cx="3593931" cy="582960"/>
-            </a:xfrm>
-            <a:prstGeom prst="rect">
-              <a:avLst/>
-            </a:prstGeom>
-            <a:noFill/>
-            <a:ln>
-              <a:solidFill>
-                <a:schemeClr val="tx1"/>
-              </a:solidFill>
-            </a:ln>
-          </p:spPr>
-          <p:txBody>
-            <a:bodyPr wrap="square" rtlCol="0">
-              <a:spAutoFit/>
-            </a:bodyPr>
-            <a:lstStyle/>
-            <a:p>
-              <a:pPr algn="ctr"/>
-              <a:r>
-                <a:rPr lang="ja-JP" altLang="en-US" sz="2522" dirty="0"/>
-                <a:t>配達完了を送信</a:t>
-              </a:r>
-            </a:p>
-          </p:txBody>
-        </p:sp>
-        <p:sp>
-          <p:nvSpPr>
-            <p:cNvPr id="20" name="テキスト ボックス 19">
-              <a:extLst>
-                <a:ext uri="{FF2B5EF4-FFF2-40B4-BE49-F238E27FC236}">
-                  <a16:creationId xmlns:a16="http://schemas.microsoft.com/office/drawing/2014/main" id="{70894416-DD25-4E19-B334-E165BF7EE8DC}"/>
-                </a:ext>
-              </a:extLst>
-            </p:cNvPr>
-            <p:cNvSpPr txBox="1"/>
-            <p:nvPr/>
-          </p:nvSpPr>
-          <p:spPr>
-            <a:xfrm>
-              <a:off x="-18193" y="8785803"/>
-              <a:ext cx="2863761" cy="1053885"/>
-            </a:xfrm>
-            <a:prstGeom prst="rect">
-              <a:avLst/>
-            </a:prstGeom>
-            <a:noFill/>
-            <a:ln>
-              <a:solidFill>
-                <a:schemeClr val="tx1"/>
-              </a:solidFill>
-            </a:ln>
-          </p:spPr>
-          <p:txBody>
-            <a:bodyPr wrap="square" rtlCol="0">
-              <a:spAutoFit/>
-            </a:bodyPr>
-            <a:lstStyle/>
-            <a:p>
-              <a:pPr algn="ctr"/>
-              <a:r>
-                <a:rPr lang="ja-JP" altLang="en-US" sz="2522" dirty="0"/>
-                <a:t>利用者の選択結果を送信</a:t>
-              </a:r>
-            </a:p>
-          </p:txBody>
-        </p:sp>
-        <p:sp>
-          <p:nvSpPr>
-            <p:cNvPr id="14" name="テキスト ボックス 13">
-              <a:extLst>
-                <a:ext uri="{FF2B5EF4-FFF2-40B4-BE49-F238E27FC236}">
-                  <a16:creationId xmlns:a16="http://schemas.microsoft.com/office/drawing/2014/main" id="{4444675F-6382-4F5E-B6F1-0935690B3C94}"/>
-                </a:ext>
-              </a:extLst>
-            </p:cNvPr>
-            <p:cNvSpPr txBox="1"/>
-            <p:nvPr/>
-          </p:nvSpPr>
-          <p:spPr>
-            <a:xfrm>
-              <a:off x="6786047" y="11826178"/>
-              <a:ext cx="3848665" cy="1053885"/>
-            </a:xfrm>
-            <a:prstGeom prst="rect">
-              <a:avLst/>
-            </a:prstGeom>
-          </p:spPr>
-          <p:style>
-            <a:lnRef idx="2">
-              <a:schemeClr val="accent2"/>
-            </a:lnRef>
-            <a:fillRef idx="1">
-              <a:schemeClr val="lt1"/>
-            </a:fillRef>
-            <a:effectRef idx="0">
-              <a:schemeClr val="accent2"/>
-            </a:effectRef>
-            <a:fontRef idx="minor">
-              <a:schemeClr val="dk1"/>
-            </a:fontRef>
-          </p:style>
-          <p:txBody>
-            <a:bodyPr wrap="square" rtlCol="0">
-              <a:spAutoFit/>
-            </a:bodyPr>
-            <a:lstStyle/>
-            <a:p>
-              <a:pPr algn="ctr"/>
-              <a:r>
-                <a:rPr lang="ja-JP" altLang="en-US" sz="2522" b="1" dirty="0"/>
-                <a:t>外部</a:t>
-              </a:r>
-              <a:r>
-                <a:rPr lang="en-US" altLang="ja-JP" sz="2522" b="1" dirty="0"/>
-                <a:t>API</a:t>
-              </a:r>
-            </a:p>
-            <a:p>
-              <a:pPr algn="ctr"/>
-              <a:r>
-                <a:rPr lang="en-US" altLang="ja-JP" sz="2522" b="1" dirty="0"/>
-                <a:t>(Google Maps API</a:t>
-              </a:r>
-              <a:r>
-                <a:rPr lang="ja-JP" altLang="en-US" sz="2522" b="1" dirty="0"/>
-                <a:t>等</a:t>
-              </a:r>
-              <a:r>
-                <a:rPr lang="en-US" altLang="ja-JP" sz="2522" b="1" dirty="0"/>
-                <a:t>)</a:t>
-              </a:r>
-              <a:endParaRPr lang="ja-JP" altLang="en-US" sz="2522" b="1" dirty="0"/>
-            </a:p>
-          </p:txBody>
-        </p:sp>
-        <p:sp>
-          <p:nvSpPr>
-            <p:cNvPr id="25" name="テキスト ボックス 24">
-              <a:extLst>
-                <a:ext uri="{FF2B5EF4-FFF2-40B4-BE49-F238E27FC236}">
-                  <a16:creationId xmlns:a16="http://schemas.microsoft.com/office/drawing/2014/main" id="{36040C76-447D-44A3-98DE-2A83899BAA78}"/>
-                </a:ext>
-              </a:extLst>
-            </p:cNvPr>
-            <p:cNvSpPr txBox="1"/>
-            <p:nvPr/>
-          </p:nvSpPr>
-          <p:spPr>
-            <a:xfrm>
-              <a:off x="5072962" y="13189830"/>
-              <a:ext cx="3708826" cy="1053885"/>
-            </a:xfrm>
-            <a:prstGeom prst="rect">
-              <a:avLst/>
-            </a:prstGeom>
-            <a:noFill/>
-            <a:ln>
-              <a:solidFill>
-                <a:schemeClr val="tx1"/>
-              </a:solidFill>
-            </a:ln>
-          </p:spPr>
-          <p:txBody>
-            <a:bodyPr wrap="square" rtlCol="0">
-              <a:spAutoFit/>
-            </a:bodyPr>
-            <a:lstStyle/>
-            <a:p>
-              <a:pPr algn="ctr"/>
-              <a:r>
-                <a:rPr lang="ja-JP" altLang="en-US" sz="2522" dirty="0"/>
-                <a:t>取得したい情報を要求</a:t>
-              </a:r>
-            </a:p>
-          </p:txBody>
-        </p:sp>
-        <p:sp>
-          <p:nvSpPr>
-            <p:cNvPr id="26" name="テキスト ボックス 25">
-              <a:extLst>
-                <a:ext uri="{FF2B5EF4-FFF2-40B4-BE49-F238E27FC236}">
-                  <a16:creationId xmlns:a16="http://schemas.microsoft.com/office/drawing/2014/main" id="{AAC932E3-BAF7-4D51-BF83-A55155E92430}"/>
-                </a:ext>
-              </a:extLst>
-            </p:cNvPr>
-            <p:cNvSpPr txBox="1"/>
-            <p:nvPr/>
-          </p:nvSpPr>
-          <p:spPr>
-            <a:xfrm>
-              <a:off x="4298252" y="4629716"/>
-              <a:ext cx="2269923" cy="1053885"/>
-            </a:xfrm>
-            <a:prstGeom prst="rect">
-              <a:avLst/>
-            </a:prstGeom>
-            <a:noFill/>
-            <a:ln>
-              <a:solidFill>
-                <a:schemeClr val="tx1"/>
-              </a:solidFill>
-            </a:ln>
-          </p:spPr>
-          <p:txBody>
-            <a:bodyPr wrap="square" rtlCol="0">
-              <a:spAutoFit/>
-            </a:bodyPr>
-            <a:lstStyle/>
-            <a:p>
-              <a:pPr algn="ctr"/>
-              <a:r>
-                <a:rPr lang="ja-JP" altLang="en-US" sz="2522" dirty="0"/>
-                <a:t>取得したい情報の応答</a:t>
-              </a:r>
-            </a:p>
-          </p:txBody>
-        </p:sp>
-        <p:pic>
-          <p:nvPicPr>
-            <p:cNvPr id="1038" name="Picture 14" descr="ããµã¼ããã®ç»åæ¤ç´¢çµæ">
-              <a:extLst>
-                <a:ext uri="{FF2B5EF4-FFF2-40B4-BE49-F238E27FC236}">
-                  <a16:creationId xmlns:a16="http://schemas.microsoft.com/office/drawing/2014/main" id="{B10DBAD3-E147-43A5-B9D8-D303EC7AE6B0}"/>
-                </a:ext>
-              </a:extLst>
-            </p:cNvPr>
-            <p:cNvPicPr>
-              <a:picLocks noChangeAspect="1" noChangeArrowheads="1"/>
-            </p:cNvPicPr>
-            <p:nvPr/>
-          </p:nvPicPr>
-          <p:blipFill>
-            <a:blip r:embed="rId4">
-              <a:extLst>
-                <a:ext uri="{28A0092B-C50C-407E-A947-70E740481C1C}">
-                  <a14:useLocalDpi xmlns:a14="http://schemas.microsoft.com/office/drawing/2010/main" val="0"/>
-                </a:ext>
-              </a:extLst>
-            </a:blip>
-            <a:srcRect/>
-            <a:stretch>
-              <a:fillRect/>
-            </a:stretch>
-          </p:blipFill>
-          <p:spPr bwMode="auto">
-            <a:xfrm>
-              <a:off x="2334077" y="5745920"/>
-              <a:ext cx="2786743" cy="2265645"/>
-            </a:xfrm>
-            <a:prstGeom prst="rect">
-              <a:avLst/>
-            </a:prstGeom>
-            <a:noFill/>
-            <a:extLst>
-              <a:ext uri="{909E8E84-426E-40DD-AFC4-6F175D3DCCD1}">
-                <a14:hiddenFill xmlns:a14="http://schemas.microsoft.com/office/drawing/2010/main">
-                  <a:solidFill>
-                    <a:srgbClr val="FFFFFF"/>
-                  </a:solidFill>
-                </a14:hiddenFill>
-              </a:ext>
-            </a:extLst>
-          </p:spPr>
-        </p:pic>
-        <p:pic>
-          <p:nvPicPr>
-            <p:cNvPr id="4" name="図 3">
-              <a:extLst>
-                <a:ext uri="{FF2B5EF4-FFF2-40B4-BE49-F238E27FC236}">
-                  <a16:creationId xmlns:a16="http://schemas.microsoft.com/office/drawing/2014/main" id="{2364E62B-D267-4EC2-AA8E-60C6D2AF994E}"/>
-                </a:ext>
-              </a:extLst>
-            </p:cNvPr>
-            <p:cNvPicPr>
-              <a:picLocks noChangeAspect="1"/>
-            </p:cNvPicPr>
-            <p:nvPr/>
-          </p:nvPicPr>
-          <p:blipFill>
-            <a:blip r:embed="rId5">
-              <a:extLst>
-                <a:ext uri="{28A0092B-C50C-407E-A947-70E740481C1C}">
-                  <a14:useLocalDpi xmlns:a14="http://schemas.microsoft.com/office/drawing/2010/main" val="0"/>
-                </a:ext>
-              </a:extLst>
-            </a:blip>
-            <a:stretch>
-              <a:fillRect/>
-            </a:stretch>
-          </p:blipFill>
-          <p:spPr>
-            <a:xfrm>
-              <a:off x="6536471" y="3065152"/>
-              <a:ext cx="4024843" cy="1383541"/>
-            </a:xfrm>
-            <a:prstGeom prst="rect">
-              <a:avLst/>
-            </a:prstGeom>
-            <a:ln>
-              <a:solidFill>
-                <a:srgbClr val="FFC000"/>
-              </a:solidFill>
-            </a:ln>
-          </p:spPr>
-        </p:pic>
-        <p:sp>
-          <p:nvSpPr>
-            <p:cNvPr id="47" name="テキスト ボックス 46">
-              <a:extLst>
-                <a:ext uri="{FF2B5EF4-FFF2-40B4-BE49-F238E27FC236}">
-                  <a16:creationId xmlns:a16="http://schemas.microsoft.com/office/drawing/2014/main" id="{72723F94-4865-4030-BA27-CCE2A87962A8}"/>
-                </a:ext>
-              </a:extLst>
-            </p:cNvPr>
-            <p:cNvSpPr txBox="1"/>
-            <p:nvPr/>
-          </p:nvSpPr>
-          <p:spPr>
-            <a:xfrm>
-              <a:off x="7388155" y="5944354"/>
-              <a:ext cx="3340331" cy="1053885"/>
-            </a:xfrm>
-            <a:prstGeom prst="rect">
-              <a:avLst/>
-            </a:prstGeom>
-            <a:noFill/>
-            <a:ln>
-              <a:solidFill>
-                <a:schemeClr val="tx1"/>
-              </a:solidFill>
-            </a:ln>
-          </p:spPr>
-          <p:txBody>
-            <a:bodyPr wrap="square" rtlCol="0">
-              <a:spAutoFit/>
-            </a:bodyPr>
-            <a:lstStyle/>
-            <a:p>
-              <a:pPr algn="ctr"/>
-              <a:r>
-                <a:rPr lang="ja-JP" altLang="en-US" sz="2522" dirty="0"/>
-                <a:t>通知したい相手と内容を指定</a:t>
-              </a:r>
-            </a:p>
-          </p:txBody>
-        </p:sp>
-        <p:sp>
-          <p:nvSpPr>
-            <p:cNvPr id="48" name="テキスト ボックス 47">
-              <a:extLst>
-                <a:ext uri="{FF2B5EF4-FFF2-40B4-BE49-F238E27FC236}">
-                  <a16:creationId xmlns:a16="http://schemas.microsoft.com/office/drawing/2014/main" id="{AA5B6EDC-D681-4462-AFC4-B2223EFAE817}"/>
-                </a:ext>
-              </a:extLst>
-            </p:cNvPr>
-            <p:cNvSpPr txBox="1"/>
-            <p:nvPr/>
-          </p:nvSpPr>
-          <p:spPr>
-            <a:xfrm>
-              <a:off x="5855309" y="1758647"/>
-              <a:ext cx="1532847" cy="582960"/>
-            </a:xfrm>
-            <a:prstGeom prst="rect">
-              <a:avLst/>
-            </a:prstGeom>
-            <a:noFill/>
-            <a:ln>
-              <a:solidFill>
-                <a:schemeClr val="tx1"/>
-              </a:solidFill>
-            </a:ln>
-          </p:spPr>
-          <p:txBody>
-            <a:bodyPr wrap="square" rtlCol="0">
-              <a:spAutoFit/>
-            </a:bodyPr>
-            <a:lstStyle/>
-            <a:p>
-              <a:pPr algn="ctr"/>
-              <a:r>
-                <a:rPr lang="ja-JP" altLang="en-US" sz="2522" dirty="0"/>
-                <a:t>通知</a:t>
-              </a:r>
-            </a:p>
-          </p:txBody>
-        </p:sp>
-        <p:sp>
-          <p:nvSpPr>
-            <p:cNvPr id="31" name="矢印: 右 30">
-              <a:extLst>
-                <a:ext uri="{FF2B5EF4-FFF2-40B4-BE49-F238E27FC236}">
-                  <a16:creationId xmlns:a16="http://schemas.microsoft.com/office/drawing/2014/main" id="{35706775-85FB-4AFD-936E-E046E4629F67}"/>
-                </a:ext>
-              </a:extLst>
-            </p:cNvPr>
-            <p:cNvSpPr/>
-            <p:nvPr/>
-          </p:nvSpPr>
-          <p:spPr>
-            <a:xfrm rot="5400000">
-              <a:off x="2807773" y="9064447"/>
-              <a:ext cx="1077861" cy="587319"/>
-            </a:xfrm>
-            <a:prstGeom prst="rightArrow">
-              <a:avLst/>
-            </a:prstGeom>
-            <a:solidFill>
-              <a:srgbClr val="00B0F0"/>
-            </a:solidFill>
-            <a:ln>
-              <a:solidFill>
-                <a:schemeClr val="tx1"/>
-              </a:solidFill>
-            </a:ln>
-          </p:spPr>
-          <p:style>
-            <a:lnRef idx="2">
-              <a:schemeClr val="accent1">
-                <a:shade val="50000"/>
-              </a:schemeClr>
-            </a:lnRef>
-            <a:fillRef idx="1">
-              <a:schemeClr val="accent1"/>
-            </a:fillRef>
-            <a:effectRef idx="0">
-              <a:schemeClr val="accent1"/>
-            </a:effectRef>
-            <a:fontRef idx="minor">
-              <a:schemeClr val="lt1"/>
-            </a:fontRef>
-          </p:style>
-          <p:txBody>
-            <a:bodyPr rtlCol="0" anchor="ctr"/>
-            <a:lstStyle/>
-            <a:p>
-              <a:pPr algn="ctr"/>
-              <a:endParaRPr lang="ja-JP" altLang="en-US" sz="2522" dirty="0"/>
-            </a:p>
-          </p:txBody>
-        </p:sp>
-        <p:sp>
-          <p:nvSpPr>
-            <p:cNvPr id="32" name="矢印: 右 31">
-              <a:extLst>
-                <a:ext uri="{FF2B5EF4-FFF2-40B4-BE49-F238E27FC236}">
-                  <a16:creationId xmlns:a16="http://schemas.microsoft.com/office/drawing/2014/main" id="{C760C3C7-6DEB-4D45-A4D3-B255F096DB3F}"/>
-                </a:ext>
-              </a:extLst>
-            </p:cNvPr>
-            <p:cNvSpPr/>
-            <p:nvPr/>
-          </p:nvSpPr>
-          <p:spPr>
-            <a:xfrm rot="16200000" flipV="1">
-              <a:off x="3457356" y="9031074"/>
-              <a:ext cx="1077860" cy="587317"/>
-            </a:xfrm>
-            <a:prstGeom prst="rightArrow">
-              <a:avLst/>
-            </a:prstGeom>
-            <a:solidFill>
-              <a:srgbClr val="00B0F0"/>
-            </a:solidFill>
-            <a:ln>
-              <a:solidFill>
-                <a:schemeClr val="tx1"/>
-              </a:solidFill>
-            </a:ln>
-          </p:spPr>
-          <p:style>
-            <a:lnRef idx="2">
-              <a:schemeClr val="accent1">
-                <a:shade val="50000"/>
-              </a:schemeClr>
-            </a:lnRef>
-            <a:fillRef idx="1">
-              <a:schemeClr val="accent1"/>
-            </a:fillRef>
-            <a:effectRef idx="0">
-              <a:schemeClr val="accent1"/>
-            </a:effectRef>
-            <a:fontRef idx="minor">
-              <a:schemeClr val="lt1"/>
-            </a:fontRef>
-          </p:style>
-          <p:txBody>
-            <a:bodyPr rtlCol="0" anchor="ctr"/>
-            <a:lstStyle/>
-            <a:p>
-              <a:pPr algn="ctr"/>
-              <a:endParaRPr lang="ja-JP" altLang="en-US" sz="2522"/>
-            </a:p>
-          </p:txBody>
-        </p:sp>
-        <p:sp>
-          <p:nvSpPr>
-            <p:cNvPr id="33" name="矢印: 右 32">
-              <a:extLst>
-                <a:ext uri="{FF2B5EF4-FFF2-40B4-BE49-F238E27FC236}">
-                  <a16:creationId xmlns:a16="http://schemas.microsoft.com/office/drawing/2014/main" id="{ED60F132-6424-4BED-BA99-B70975DEE74C}"/>
-                </a:ext>
-              </a:extLst>
-            </p:cNvPr>
-            <p:cNvSpPr/>
-            <p:nvPr/>
-          </p:nvSpPr>
-          <p:spPr>
-            <a:xfrm rot="712489" flipV="1">
-              <a:off x="4745615" y="12028227"/>
-              <a:ext cx="1901008" cy="687579"/>
-            </a:xfrm>
-            <a:prstGeom prst="rightArrow">
-              <a:avLst/>
-            </a:prstGeom>
-            <a:solidFill>
-              <a:srgbClr val="00B0F0"/>
-            </a:solidFill>
-            <a:ln>
-              <a:solidFill>
-                <a:schemeClr val="tx1"/>
-              </a:solidFill>
-            </a:ln>
-          </p:spPr>
-          <p:style>
-            <a:lnRef idx="2">
-              <a:schemeClr val="accent1">
-                <a:shade val="50000"/>
-              </a:schemeClr>
-            </a:lnRef>
-            <a:fillRef idx="1">
-              <a:schemeClr val="accent1"/>
-            </a:fillRef>
-            <a:effectRef idx="0">
-              <a:schemeClr val="accent1"/>
-            </a:effectRef>
-            <a:fontRef idx="minor">
-              <a:schemeClr val="lt1"/>
-            </a:fontRef>
-          </p:style>
-          <p:txBody>
-            <a:bodyPr rtlCol="0" anchor="ctr"/>
-            <a:lstStyle/>
-            <a:p>
-              <a:pPr algn="ctr"/>
-              <a:endParaRPr lang="ja-JP" altLang="en-US" sz="2522"/>
-            </a:p>
-          </p:txBody>
-        </p:sp>
-        <p:sp>
-          <p:nvSpPr>
-            <p:cNvPr id="35" name="矢印: 右 34">
-              <a:extLst>
-                <a:ext uri="{FF2B5EF4-FFF2-40B4-BE49-F238E27FC236}">
-                  <a16:creationId xmlns:a16="http://schemas.microsoft.com/office/drawing/2014/main" id="{49E37F9A-9C5D-431F-BD70-AF561D480566}"/>
-                </a:ext>
-              </a:extLst>
-            </p:cNvPr>
-            <p:cNvSpPr/>
-            <p:nvPr/>
-          </p:nvSpPr>
-          <p:spPr>
-            <a:xfrm rot="13154124" flipV="1">
-              <a:off x="4679647" y="2173187"/>
-              <a:ext cx="1802816" cy="707080"/>
-            </a:xfrm>
-            <a:prstGeom prst="rightArrow">
-              <a:avLst/>
-            </a:prstGeom>
-            <a:solidFill>
-              <a:srgbClr val="00B0F0"/>
-            </a:solidFill>
-            <a:ln>
-              <a:solidFill>
-                <a:schemeClr val="tx1"/>
-              </a:solidFill>
-            </a:ln>
-          </p:spPr>
-          <p:style>
-            <a:lnRef idx="2">
-              <a:schemeClr val="accent1">
-                <a:shade val="50000"/>
-              </a:schemeClr>
-            </a:lnRef>
-            <a:fillRef idx="1">
-              <a:schemeClr val="accent1"/>
-            </a:fillRef>
-            <a:effectRef idx="0">
-              <a:schemeClr val="accent1"/>
-            </a:effectRef>
-            <a:fontRef idx="minor">
-              <a:schemeClr val="lt1"/>
-            </a:fontRef>
-          </p:style>
-          <p:txBody>
-            <a:bodyPr rtlCol="0" anchor="ctr"/>
-            <a:lstStyle/>
-            <a:p>
-              <a:pPr algn="ctr"/>
-              <a:endParaRPr lang="ja-JP" altLang="en-US" sz="2522"/>
-            </a:p>
-          </p:txBody>
-        </p:sp>
-        <p:sp>
-          <p:nvSpPr>
-            <p:cNvPr id="3" name="正方形/長方形 2">
-              <a:extLst>
-                <a:ext uri="{FF2B5EF4-FFF2-40B4-BE49-F238E27FC236}">
-                  <a16:creationId xmlns:a16="http://schemas.microsoft.com/office/drawing/2014/main" id="{6110B63D-AE90-4048-A4DC-D95474758C3A}"/>
-                </a:ext>
-              </a:extLst>
-            </p:cNvPr>
-            <p:cNvSpPr/>
-            <p:nvPr/>
-          </p:nvSpPr>
-          <p:spPr>
-            <a:xfrm>
-              <a:off x="5236289" y="7022213"/>
-              <a:ext cx="1912228" cy="405714"/>
-            </a:xfrm>
-            <a:prstGeom prst="rect">
-              <a:avLst/>
-            </a:prstGeom>
-            <a:solidFill>
-              <a:srgbClr val="00B0F0"/>
-            </a:solidFill>
-            <a:ln>
-              <a:solidFill>
-                <a:schemeClr val="tx1"/>
-              </a:solidFill>
-            </a:ln>
-          </p:spPr>
-          <p:style>
-            <a:lnRef idx="2">
-              <a:schemeClr val="accent1">
-                <a:shade val="50000"/>
-              </a:schemeClr>
-            </a:lnRef>
-            <a:fillRef idx="1">
-              <a:schemeClr val="accent1"/>
-            </a:fillRef>
-            <a:effectRef idx="0">
-              <a:schemeClr val="accent1"/>
-            </a:effectRef>
-            <a:fontRef idx="minor">
-              <a:schemeClr val="lt1"/>
-            </a:fontRef>
-          </p:style>
-          <p:txBody>
-            <a:bodyPr rot="0" spcFirstLastPara="0" vertOverflow="overflow" horzOverflow="overflow" vert="horz" wrap="square" lIns="72011" tIns="36005" rIns="72011" bIns="36005" numCol="1" spcCol="0" rtlCol="0" fromWordArt="0" anchor="ctr" anchorCtr="0" forceAA="0" compatLnSpc="1">
-              <a:prstTxWarp prst="textNoShape">
-                <a:avLst/>
-              </a:prstTxWarp>
-              <a:noAutofit/>
-            </a:bodyPr>
-            <a:lstStyle/>
-            <a:p>
-              <a:pPr algn="ctr"/>
-              <a:endParaRPr kumimoji="1" lang="ja-JP" altLang="en-US" sz="1418"/>
-            </a:p>
-          </p:txBody>
-        </p:sp>
-        <p:sp>
-          <p:nvSpPr>
-            <p:cNvPr id="36" name="矢印: 右 35">
-              <a:extLst>
-                <a:ext uri="{FF2B5EF4-FFF2-40B4-BE49-F238E27FC236}">
-                  <a16:creationId xmlns:a16="http://schemas.microsoft.com/office/drawing/2014/main" id="{1041CDFF-D0A4-43A7-ACDE-9AF9C209429F}"/>
-                </a:ext>
-              </a:extLst>
-            </p:cNvPr>
-            <p:cNvSpPr/>
-            <p:nvPr/>
-          </p:nvSpPr>
-          <p:spPr>
-            <a:xfrm rot="5400000" flipH="1" flipV="1">
-              <a:off x="5735168" y="5721578"/>
-              <a:ext cx="2792335" cy="587318"/>
-            </a:xfrm>
-            <a:prstGeom prst="rightArrow">
-              <a:avLst/>
-            </a:prstGeom>
-            <a:solidFill>
-              <a:srgbClr val="00B0F0"/>
-            </a:solidFill>
-            <a:ln>
-              <a:solidFill>
-                <a:schemeClr val="tx1"/>
-              </a:solidFill>
-            </a:ln>
-          </p:spPr>
-          <p:style>
-            <a:lnRef idx="2">
-              <a:schemeClr val="accent1">
-                <a:shade val="50000"/>
-              </a:schemeClr>
-            </a:lnRef>
-            <a:fillRef idx="1">
-              <a:schemeClr val="accent1"/>
-            </a:fillRef>
-            <a:effectRef idx="0">
-              <a:schemeClr val="accent1"/>
-            </a:effectRef>
-            <a:fontRef idx="minor">
-              <a:schemeClr val="lt1"/>
-            </a:fontRef>
-          </p:style>
-          <p:txBody>
-            <a:bodyPr rtlCol="0" anchor="ctr"/>
-            <a:lstStyle/>
-            <a:p>
-              <a:pPr algn="ctr"/>
-              <a:endParaRPr lang="ja-JP" altLang="en-US" sz="2522"/>
-            </a:p>
-          </p:txBody>
-        </p:sp>
-        <p:sp>
-          <p:nvSpPr>
-            <p:cNvPr id="6" name="正方形/長方形 5">
-              <a:extLst>
-                <a:ext uri="{FF2B5EF4-FFF2-40B4-BE49-F238E27FC236}">
-                  <a16:creationId xmlns:a16="http://schemas.microsoft.com/office/drawing/2014/main" id="{C267090A-A938-4937-A20A-EF39B24E5909}"/>
-                </a:ext>
-              </a:extLst>
-            </p:cNvPr>
-            <p:cNvSpPr/>
-            <p:nvPr/>
-          </p:nvSpPr>
-          <p:spPr>
-            <a:xfrm>
-              <a:off x="6562868" y="7063440"/>
-              <a:ext cx="585649" cy="340354"/>
-            </a:xfrm>
-            <a:prstGeom prst="rect">
-              <a:avLst/>
-            </a:prstGeom>
-            <a:solidFill>
-              <a:srgbClr val="00B0F0"/>
-            </a:solidFill>
-            <a:ln>
-              <a:noFill/>
-            </a:ln>
-          </p:spPr>
-          <p:style>
-            <a:lnRef idx="2">
-              <a:schemeClr val="accent1">
-                <a:shade val="50000"/>
-              </a:schemeClr>
-            </a:lnRef>
-            <a:fillRef idx="1">
-              <a:schemeClr val="accent1"/>
-            </a:fillRef>
-            <a:effectRef idx="0">
-              <a:schemeClr val="accent1"/>
-            </a:effectRef>
-            <a:fontRef idx="minor">
-              <a:schemeClr val="lt1"/>
-            </a:fontRef>
-          </p:style>
-          <p:txBody>
-            <a:bodyPr rot="0" spcFirstLastPara="0" vertOverflow="overflow" horzOverflow="overflow" vert="horz" wrap="square" lIns="72011" tIns="36005" rIns="72011" bIns="36005" numCol="1" spcCol="0" rtlCol="0" fromWordArt="0" anchor="ctr" anchorCtr="0" forceAA="0" compatLnSpc="1">
-              <a:prstTxWarp prst="textNoShape">
-                <a:avLst/>
-              </a:prstTxWarp>
-              <a:noAutofit/>
-            </a:bodyPr>
-            <a:lstStyle/>
-            <a:p>
-              <a:pPr algn="ctr"/>
-              <a:endParaRPr kumimoji="1" lang="ja-JP" altLang="en-US" sz="1418"/>
-            </a:p>
-          </p:txBody>
-        </p:sp>
-        <p:sp>
-          <p:nvSpPr>
-            <p:cNvPr id="38" name="矢印: 右 37">
-              <a:extLst>
-                <a:ext uri="{FF2B5EF4-FFF2-40B4-BE49-F238E27FC236}">
-                  <a16:creationId xmlns:a16="http://schemas.microsoft.com/office/drawing/2014/main" id="{3FA273A6-EAC3-44AD-B7B8-AAD07BE63ACE}"/>
-                </a:ext>
-              </a:extLst>
-            </p:cNvPr>
-            <p:cNvSpPr/>
-            <p:nvPr/>
-          </p:nvSpPr>
-          <p:spPr>
-            <a:xfrm rot="712489" flipH="1">
-              <a:off x="4745614" y="11321847"/>
-              <a:ext cx="1901008" cy="687579"/>
-            </a:xfrm>
-            <a:prstGeom prst="rightArrow">
-              <a:avLst/>
-            </a:prstGeom>
-            <a:solidFill>
-              <a:srgbClr val="00B0F0"/>
-            </a:solidFill>
-            <a:ln>
-              <a:solidFill>
-                <a:schemeClr val="tx1"/>
-              </a:solidFill>
-            </a:ln>
-          </p:spPr>
-          <p:style>
-            <a:lnRef idx="2">
-              <a:schemeClr val="accent1">
-                <a:shade val="50000"/>
-              </a:schemeClr>
-            </a:lnRef>
-            <a:fillRef idx="1">
-              <a:schemeClr val="accent1"/>
-            </a:fillRef>
-            <a:effectRef idx="0">
-              <a:schemeClr val="accent1"/>
-            </a:effectRef>
-            <a:fontRef idx="minor">
-              <a:schemeClr val="lt1"/>
-            </a:fontRef>
-          </p:style>
-          <p:txBody>
-            <a:bodyPr rtlCol="0" anchor="ctr"/>
-            <a:lstStyle/>
-            <a:p>
-              <a:pPr algn="ctr"/>
-              <a:endParaRPr lang="ja-JP" altLang="en-US" sz="2522"/>
+              <a:endParaRPr kumimoji="1" lang="ja-JP" altLang="en-US"/>
             </a:p>
           </p:txBody>
         </p:sp>
       </p:grpSp>
+    </p:spTree>
+    <p:extLst>
+      <p:ext uri="{BB962C8B-B14F-4D97-AF65-F5344CB8AC3E}">
+        <p14:creationId xmlns:p14="http://schemas.microsoft.com/office/powerpoint/2010/main" val="2965438107"/>
+      </p:ext>
+    </p:extLst>
+  </p:cSld>
+  <p:clrMapOvr>
+    <a:masterClrMapping/>
+  </p:clrMapOvr>
+</p:sld>
+</file>
+
+<file path=ppt/slides/slide2.xml><?xml version="1.0" encoding="utf-8"?>
+<p:sld xmlns:a="http://schemas.openxmlformats.org/drawingml/2006/main" xmlns:r="http://schemas.openxmlformats.org/officeDocument/2006/relationships" xmlns:p="http://schemas.openxmlformats.org/presentationml/2006/main">
+  <p:cSld>
+    <p:spTree>
+      <p:nvGrpSpPr>
+        <p:cNvPr id="1" name=""/>
+        <p:cNvGrpSpPr/>
+        <p:nvPr/>
+      </p:nvGrpSpPr>
+      <p:grpSpPr>
+        <a:xfrm>
+          <a:off x="0" y="0"/>
+          <a:ext cx="0" cy="0"/>
+          <a:chOff x="0" y="0"/>
+          <a:chExt cx="0" cy="0"/>
+        </a:xfrm>
+      </p:grpSpPr>
       <p:pic>
         <p:nvPicPr>
-          <p:cNvPr id="2" name="図 1">
+          <p:cNvPr id="5" name="図 4">
             <a:extLst>
               <a:ext uri="{FF2B5EF4-FFF2-40B4-BE49-F238E27FC236}">
-                <a16:creationId xmlns:a16="http://schemas.microsoft.com/office/drawing/2014/main" id="{B5955CA4-EBB7-472B-B7D5-78792C2A0F03}"/>
+                <a16:creationId xmlns:a16="http://schemas.microsoft.com/office/drawing/2014/main" id="{2C03E40B-1227-40F5-A8B5-4FC7F9730853}"/>
               </a:ext>
             </a:extLst>
           </p:cNvPr>
@@ -5817,15 +4525,15 @@
           <p:nvPr/>
         </p:nvPicPr>
         <p:blipFill>
-          <a:blip r:embed="rId6"/>
+          <a:blip r:embed="rId2"/>
           <a:stretch>
             <a:fillRect/>
           </a:stretch>
         </p:blipFill>
         <p:spPr>
           <a:xfrm>
-            <a:off x="0" y="-177897"/>
-            <a:ext cx="9720263" cy="12955781"/>
+            <a:off x="33980" y="1"/>
+            <a:ext cx="9614095" cy="12599988"/>
           </a:xfrm>
           <a:prstGeom prst="rect">
             <a:avLst/>

--- a/poster/情報の流れ.pptx
+++ b/poster/情報の流れ.pptx
@@ -244,7 +244,7 @@
           <a:p>
             <a:fld id="{A6F3A9AD-CBFC-43E8-8EE8-0FB52CCD4757}" type="datetimeFigureOut">
               <a:rPr kumimoji="1" lang="ja-JP" altLang="en-US" smtClean="0"/>
-              <a:t>2019/1/24</a:t>
+              <a:t>2019/1/28</a:t>
             </a:fld>
             <a:endParaRPr kumimoji="1" lang="ja-JP" altLang="en-US"/>
           </a:p>
@@ -446,7 +446,7 @@
           <a:p>
             <a:fld id="{A6F3A9AD-CBFC-43E8-8EE8-0FB52CCD4757}" type="datetimeFigureOut">
               <a:rPr kumimoji="1" lang="ja-JP" altLang="en-US" smtClean="0"/>
-              <a:t>2019/1/24</a:t>
+              <a:t>2019/1/28</a:t>
             </a:fld>
             <a:endParaRPr kumimoji="1" lang="ja-JP" altLang="en-US"/>
           </a:p>
@@ -658,7 +658,7 @@
           <a:p>
             <a:fld id="{A6F3A9AD-CBFC-43E8-8EE8-0FB52CCD4757}" type="datetimeFigureOut">
               <a:rPr kumimoji="1" lang="ja-JP" altLang="en-US" smtClean="0"/>
-              <a:t>2019/1/24</a:t>
+              <a:t>2019/1/28</a:t>
             </a:fld>
             <a:endParaRPr kumimoji="1" lang="ja-JP" altLang="en-US"/>
           </a:p>
@@ -860,7 +860,7 @@
           <a:p>
             <a:fld id="{A6F3A9AD-CBFC-43E8-8EE8-0FB52CCD4757}" type="datetimeFigureOut">
               <a:rPr kumimoji="1" lang="ja-JP" altLang="en-US" smtClean="0"/>
-              <a:t>2019/1/24</a:t>
+              <a:t>2019/1/28</a:t>
             </a:fld>
             <a:endParaRPr kumimoji="1" lang="ja-JP" altLang="en-US"/>
           </a:p>
@@ -1104,7 +1104,7 @@
           <a:p>
             <a:fld id="{A6F3A9AD-CBFC-43E8-8EE8-0FB52CCD4757}" type="datetimeFigureOut">
               <a:rPr kumimoji="1" lang="ja-JP" altLang="en-US" smtClean="0"/>
-              <a:t>2019/1/24</a:t>
+              <a:t>2019/1/28</a:t>
             </a:fld>
             <a:endParaRPr kumimoji="1" lang="ja-JP" altLang="en-US"/>
           </a:p>
@@ -1400,7 +1400,7 @@
           <a:p>
             <a:fld id="{A6F3A9AD-CBFC-43E8-8EE8-0FB52CCD4757}" type="datetimeFigureOut">
               <a:rPr kumimoji="1" lang="ja-JP" altLang="en-US" smtClean="0"/>
-              <a:t>2019/1/24</a:t>
+              <a:t>2019/1/28</a:t>
             </a:fld>
             <a:endParaRPr kumimoji="1" lang="ja-JP" altLang="en-US"/>
           </a:p>
@@ -1831,7 +1831,7 @@
           <a:p>
             <a:fld id="{A6F3A9AD-CBFC-43E8-8EE8-0FB52CCD4757}" type="datetimeFigureOut">
               <a:rPr kumimoji="1" lang="ja-JP" altLang="en-US" smtClean="0"/>
-              <a:t>2019/1/24</a:t>
+              <a:t>2019/1/28</a:t>
             </a:fld>
             <a:endParaRPr kumimoji="1" lang="ja-JP" altLang="en-US"/>
           </a:p>
@@ -1949,7 +1949,7 @@
           <a:p>
             <a:fld id="{A6F3A9AD-CBFC-43E8-8EE8-0FB52CCD4757}" type="datetimeFigureOut">
               <a:rPr kumimoji="1" lang="ja-JP" altLang="en-US" smtClean="0"/>
-              <a:t>2019/1/24</a:t>
+              <a:t>2019/1/28</a:t>
             </a:fld>
             <a:endParaRPr kumimoji="1" lang="ja-JP" altLang="en-US"/>
           </a:p>
@@ -2044,7 +2044,7 @@
           <a:p>
             <a:fld id="{A6F3A9AD-CBFC-43E8-8EE8-0FB52CCD4757}" type="datetimeFigureOut">
               <a:rPr kumimoji="1" lang="ja-JP" altLang="en-US" smtClean="0"/>
-              <a:t>2019/1/24</a:t>
+              <a:t>2019/1/28</a:t>
             </a:fld>
             <a:endParaRPr kumimoji="1" lang="ja-JP" altLang="en-US"/>
           </a:p>
@@ -2353,7 +2353,7 @@
           <a:p>
             <a:fld id="{A6F3A9AD-CBFC-43E8-8EE8-0FB52CCD4757}" type="datetimeFigureOut">
               <a:rPr kumimoji="1" lang="ja-JP" altLang="en-US" smtClean="0"/>
-              <a:t>2019/1/24</a:t>
+              <a:t>2019/1/28</a:t>
             </a:fld>
             <a:endParaRPr kumimoji="1" lang="ja-JP" altLang="en-US"/>
           </a:p>
@@ -2610,7 +2610,7 @@
           <a:p>
             <a:fld id="{A6F3A9AD-CBFC-43E8-8EE8-0FB52CCD4757}" type="datetimeFigureOut">
               <a:rPr kumimoji="1" lang="ja-JP" altLang="en-US" smtClean="0"/>
-              <a:t>2019/1/24</a:t>
+              <a:t>2019/1/28</a:t>
             </a:fld>
             <a:endParaRPr kumimoji="1" lang="ja-JP" altLang="en-US"/>
           </a:p>
@@ -2855,7 +2855,7 @@
           <a:p>
             <a:fld id="{A6F3A9AD-CBFC-43E8-8EE8-0FB52CCD4757}" type="datetimeFigureOut">
               <a:rPr kumimoji="1" lang="ja-JP" altLang="en-US" smtClean="0"/>
-              <a:t>2019/1/24</a:t>
+              <a:t>2019/1/28</a:t>
             </a:fld>
             <a:endParaRPr kumimoji="1" lang="ja-JP" altLang="en-US"/>
           </a:p>
@@ -4540,6 +4540,45 @@
           </a:prstGeom>
         </p:spPr>
       </p:pic>
+      <p:pic>
+        <p:nvPicPr>
+          <p:cNvPr id="3" name="グラフィックス 2" descr="ボリューム">
+            <a:extLst>
+              <a:ext uri="{FF2B5EF4-FFF2-40B4-BE49-F238E27FC236}">
+                <a16:creationId xmlns:a16="http://schemas.microsoft.com/office/drawing/2014/main" id="{2BA0D08B-1DCA-4A3E-976F-EB0C961DC07D}"/>
+              </a:ext>
+            </a:extLst>
+          </p:cNvPr>
+          <p:cNvPicPr>
+            <a:picLocks noChangeAspect="1"/>
+          </p:cNvPicPr>
+          <p:nvPr/>
+        </p:nvPicPr>
+        <p:blipFill>
+          <a:blip r:embed="rId3">
+            <a:extLst>
+              <a:ext uri="{28A0092B-C50C-407E-A947-70E740481C1C}">
+                <a14:useLocalDpi xmlns:a14="http://schemas.microsoft.com/office/drawing/2010/main" val="0"/>
+              </a:ext>
+              <a:ext uri="{96DAC541-7B7A-43D3-8B79-37D633B846F1}">
+                <asvg:svgBlip xmlns:asvg="http://schemas.microsoft.com/office/drawing/2016/SVG/main" r:embed="rId4"/>
+              </a:ext>
+            </a:extLst>
+          </a:blip>
+          <a:stretch>
+            <a:fillRect/>
+          </a:stretch>
+        </p:blipFill>
+        <p:spPr>
+          <a:xfrm>
+            <a:off x="1215594" y="9918405"/>
+            <a:ext cx="914400" cy="914400"/>
+          </a:xfrm>
+          <a:prstGeom prst="rect">
+            <a:avLst/>
+          </a:prstGeom>
+        </p:spPr>
+      </p:pic>
     </p:spTree>
     <p:extLst>
       <p:ext uri="{BB962C8B-B14F-4D97-AF65-F5344CB8AC3E}">
